--- a/slides/3_contron_structure.pptx
+++ b/slides/3_contron_structure.pptx
@@ -7,12 +7,13 @@
   </p:sldMasterIdLst>
   <p:sldIdLst>
     <p:sldId id="258" r:id="rId3"/>
-    <p:sldId id="273" r:id="rId4"/>
-    <p:sldId id="294" r:id="rId5"/>
-    <p:sldId id="277" r:id="rId6"/>
-    <p:sldId id="295" r:id="rId7"/>
-    <p:sldId id="296" r:id="rId8"/>
-    <p:sldId id="343" r:id="rId9"/>
+    <p:sldId id="344" r:id="rId4"/>
+    <p:sldId id="273" r:id="rId5"/>
+    <p:sldId id="294" r:id="rId6"/>
+    <p:sldId id="277" r:id="rId7"/>
+    <p:sldId id="295" r:id="rId8"/>
+    <p:sldId id="296" r:id="rId9"/>
+    <p:sldId id="343" r:id="rId10"/>
   </p:sldIdLst>
   <p:sldSz cx="10080625" cy="5670550"/>
   <p:notesSz cx="7559675" cy="10691813"/>
@@ -4246,7 +4247,7 @@
         <p:spPr>
           <a:xfrm>
             <a:off x="2958817" y="2382706"/>
-            <a:ext cx="4162990" cy="574961"/>
+            <a:ext cx="4036224" cy="574961"/>
           </a:xfrm>
           <a:prstGeom prst="rect">
             <a:avLst/>
@@ -4284,13 +4285,13 @@
               </a:lnSpc>
             </a:pPr>
             <a:r>
-              <a:rPr lang="en-US" sz="3500" b="1" strike="noStrike" spc="-1" dirty="0">
+              <a:rPr lang="en-US" sz="3500" b="1" strike="noStrike" spc="-1">
                 <a:solidFill>
                   <a:srgbClr val="000000"/>
                 </a:solidFill>
                 <a:latin typeface="Arial"/>
               </a:rPr>
-              <a:t>Control Sequences</a:t>
+              <a:t>Control Structures</a:t>
             </a:r>
             <a:endParaRPr lang="en-US" sz="3500" b="0" strike="noStrike" spc="-1" dirty="0">
               <a:latin typeface="Arial"/>
@@ -4583,7 +4584,6 @@
                     <a:srgbClr val="009AD1"/>
                   </a:solidFill>
                 </a:uFill>
-                <a:latin typeface="Arial"/>
               </a:rPr>
               <a:t>Control </a:t>
             </a:r>
@@ -4597,26 +4597,37 @@
                     <a:srgbClr val="009AD1"/>
                   </a:solidFill>
                 </a:uFill>
-                <a:latin typeface="Arial"/>
               </a:rPr>
               <a:t>Structures</a:t>
             </a:r>
-            <a:endParaRPr lang="de-DE" sz="2000" b="0" strike="noStrike" spc="-1" dirty="0">
-              <a:latin typeface="Arial"/>
-            </a:endParaRPr>
-          </a:p>
-        </p:txBody>
-      </p:sp>
-      <p:sp>
-        <p:nvSpPr>
-          <p:cNvPr id="575" name="CustomShape 2"/>
+            <a:endParaRPr lang="de-DE" sz="2000" spc="-1" dirty="0"/>
+          </a:p>
+          <a:p>
+            <a:pPr>
+              <a:lnSpc>
+                <a:spcPct val="95000"/>
+              </a:lnSpc>
+            </a:pPr>
+            <a:endParaRPr lang="de-DE" sz="2000" spc="-1" dirty="0"/>
+          </a:p>
+        </p:txBody>
+      </p:sp>
+      <p:sp>
+        <p:nvSpPr>
+          <p:cNvPr id="4" name="CustomShape 2">
+            <a:extLst>
+              <a:ext uri="{FF2B5EF4-FFF2-40B4-BE49-F238E27FC236}">
+                <a16:creationId xmlns:a16="http://schemas.microsoft.com/office/drawing/2014/main" id="{E1BC5B5A-CD45-6549-A153-0A5B128A8D07}"/>
+              </a:ext>
+            </a:extLst>
+          </p:cNvPr>
           <p:cNvSpPr/>
           <p:nvPr/>
         </p:nvSpPr>
         <p:spPr>
           <a:xfrm>
-            <a:off x="324000" y="1224000"/>
-            <a:ext cx="8495640" cy="3743640"/>
+            <a:off x="324000" y="878168"/>
+            <a:ext cx="8963692" cy="3743640"/>
           </a:xfrm>
           <a:prstGeom prst="rect">
             <a:avLst/>
@@ -4657,41 +4668,7 @@
                 <a:tab pos="0" algn="l"/>
               </a:tabLst>
             </a:pPr>
-            <a:r>
-              <a:rPr lang="en-US" sz="1600" spc="-1" dirty="0">
-                <a:solidFill>
-                  <a:srgbClr val="000000"/>
-                </a:solidFill>
-              </a:rPr>
-              <a:t>What we have programmed in the intro-section: sequence of statements that are executed one after the other. </a:t>
-            </a:r>
-          </a:p>
-          <a:p>
-            <a:pPr marL="457920" lvl="3">
-              <a:lnSpc>
-                <a:spcPct val="110000"/>
-              </a:lnSpc>
-              <a:buClr>
-                <a:srgbClr val="009AD1"/>
-              </a:buClr>
-              <a:tabLst>
-                <a:tab pos="0" algn="l"/>
-              </a:tabLst>
-            </a:pPr>
-            <a:r>
-              <a:rPr lang="en-US" sz="1600" spc="-1" dirty="0">
-                <a:solidFill>
-                  <a:srgbClr val="000000"/>
-                </a:solidFill>
-                <a:sym typeface="Wingdings" pitchFamily="2" charset="2"/>
-              </a:rPr>
-              <a:t> They are not that powerful: They will be executed once at each run of the script, and that’s all. </a:t>
-            </a:r>
-            <a:endParaRPr lang="en-US" sz="1600" spc="-1" dirty="0">
-              <a:solidFill>
-                <a:srgbClr val="000000"/>
-              </a:solidFill>
-            </a:endParaRPr>
+            <a:endParaRPr lang="en-US" sz="1600" spc="-1" dirty="0"/>
           </a:p>
           <a:p>
             <a:pPr marL="720" lvl="2">
@@ -4709,96 +4686,13 @@
               <a:solidFill>
                 <a:srgbClr val="000000"/>
               </a:solidFill>
-              <a:sym typeface="Wingdings" pitchFamily="2" charset="2"/>
-            </a:endParaRPr>
-          </a:p>
-          <a:p>
-            <a:pPr marL="324000" lvl="2" indent="-323280">
+            </a:endParaRPr>
+          </a:p>
+          <a:p>
+            <a:pPr>
               <a:lnSpc>
                 <a:spcPct val="110000"/>
               </a:lnSpc>
-              <a:buClr>
-                <a:srgbClr val="009AD1"/>
-              </a:buClr>
-              <a:buFont typeface="Arial"/>
-              <a:buChar char="−"/>
-              <a:tabLst>
-                <a:tab pos="0" algn="l"/>
-              </a:tabLst>
-            </a:pPr>
-            <a:r>
-              <a:rPr lang="en-US" sz="1600" spc="-1" dirty="0">
-                <a:solidFill>
-                  <a:srgbClr val="000000"/>
-                </a:solidFill>
-              </a:rPr>
-              <a:t>With control structures, you will be able to…</a:t>
-            </a:r>
-          </a:p>
-          <a:p>
-            <a:pPr marL="781200" lvl="3" indent="-323280">
-              <a:lnSpc>
-                <a:spcPct val="110000"/>
-              </a:lnSpc>
-              <a:buClr>
-                <a:srgbClr val="009AD1"/>
-              </a:buClr>
-              <a:buFont typeface="Arial"/>
-              <a:buChar char="−"/>
-              <a:tabLst>
-                <a:tab pos="0" algn="l"/>
-              </a:tabLst>
-            </a:pPr>
-            <a:r>
-              <a:rPr lang="en-US" sz="1600" spc="-1" dirty="0">
-                <a:solidFill>
-                  <a:srgbClr val="000000"/>
-                </a:solidFill>
-                <a:sym typeface="Wingdings" pitchFamily="2" charset="2"/>
-              </a:rPr>
-              <a:t>execute statements only under certain conditions; </a:t>
-            </a:r>
-          </a:p>
-          <a:p>
-            <a:pPr marL="781200" lvl="3" indent="-323280">
-              <a:lnSpc>
-                <a:spcPct val="110000"/>
-              </a:lnSpc>
-              <a:buClr>
-                <a:srgbClr val="009AD1"/>
-              </a:buClr>
-              <a:buFont typeface="Arial"/>
-              <a:buChar char="−"/>
-              <a:tabLst>
-                <a:tab pos="0" algn="l"/>
-              </a:tabLst>
-            </a:pPr>
-            <a:r>
-              <a:rPr lang="en-US" sz="1600" spc="-1" dirty="0">
-                <a:solidFill>
-                  <a:srgbClr val="000000"/>
-                </a:solidFill>
-                <a:sym typeface="Wingdings" pitchFamily="2" charset="2"/>
-              </a:rPr>
-              <a:t>execute statements for any number of times as defined by you.</a:t>
-            </a:r>
-            <a:r>
-              <a:rPr lang="en-US" sz="1600" spc="-1" dirty="0">
-                <a:solidFill>
-                  <a:srgbClr val="000000"/>
-                </a:solidFill>
-              </a:rPr>
-              <a:t> </a:t>
-            </a:r>
-          </a:p>
-          <a:p>
-            <a:pPr marL="720" lvl="2">
-              <a:lnSpc>
-                <a:spcPct val="110000"/>
-              </a:lnSpc>
-              <a:buClr>
-                <a:srgbClr val="009AD1"/>
-              </a:buClr>
               <a:tabLst>
                 <a:tab pos="0" algn="l"/>
               </a:tabLst>
@@ -4810,186 +4704,176 @@
             </a:endParaRPr>
           </a:p>
           <a:p>
-            <a:pPr marL="720" lvl="2">
+            <a:pPr>
               <a:lnSpc>
                 <a:spcPct val="110000"/>
               </a:lnSpc>
-              <a:buClr>
-                <a:srgbClr val="009AD1"/>
-              </a:buClr>
               <a:tabLst>
                 <a:tab pos="0" algn="l"/>
               </a:tabLst>
             </a:pPr>
-            <a:r>
-              <a:rPr lang="en-US" sz="1600" spc="-1" dirty="0">
-                <a:solidFill>
-                  <a:srgbClr val="000000"/>
-                </a:solidFill>
-              </a:rPr>
-              <a:t>Control sequences in Python:</a:t>
-            </a:r>
-          </a:p>
-          <a:p>
-            <a:pPr marL="324000" lvl="2" indent="-323280">
-              <a:lnSpc>
-                <a:spcPct val="110000"/>
-              </a:lnSpc>
-              <a:buClr>
-                <a:srgbClr val="009AD1"/>
-              </a:buClr>
-              <a:buFont typeface="Arial"/>
-              <a:buChar char="−"/>
-              <a:tabLst>
-                <a:tab pos="0" algn="l"/>
-              </a:tabLst>
-            </a:pPr>
-            <a:r>
-              <a:rPr lang="en-US" sz="1600" i="1" spc="-1" dirty="0">
-                <a:solidFill>
-                  <a:srgbClr val="000000"/>
-                </a:solidFill>
-              </a:rPr>
-              <a:t>Branching</a:t>
-            </a:r>
-            <a:r>
-              <a:rPr lang="en-US" sz="1600" spc="-1" dirty="0">
-                <a:solidFill>
-                  <a:srgbClr val="000000"/>
-                </a:solidFill>
-              </a:rPr>
-              <a:t>: </a:t>
-            </a:r>
-            <a:r>
-              <a:rPr lang="de-DE" sz="1600" b="1" dirty="0" err="1">
-                <a:solidFill>
-                  <a:srgbClr val="0033B3"/>
-                </a:solidFill>
-                <a:latin typeface="Courier New" panose="02070309020205020404" pitchFamily="49" charset="0"/>
-                <a:cs typeface="Courier New" panose="02070309020205020404" pitchFamily="49" charset="0"/>
-              </a:rPr>
-              <a:t>if</a:t>
-            </a:r>
-            <a:r>
-              <a:rPr lang="de-DE" sz="1600" b="1" dirty="0">
-                <a:solidFill>
-                  <a:srgbClr val="0033B3"/>
-                </a:solidFill>
-                <a:latin typeface="Courier New" panose="02070309020205020404" pitchFamily="49" charset="0"/>
-                <a:cs typeface="Courier New" panose="02070309020205020404" pitchFamily="49" charset="0"/>
-              </a:rPr>
-              <a:t> </a:t>
-            </a:r>
-            <a:r>
-              <a:rPr lang="de-DE" sz="1600" b="1" dirty="0" err="1">
-                <a:solidFill>
-                  <a:srgbClr val="0033B3"/>
-                </a:solidFill>
-                <a:latin typeface="Courier New" panose="02070309020205020404" pitchFamily="49" charset="0"/>
-                <a:cs typeface="Courier New" panose="02070309020205020404" pitchFamily="49" charset="0"/>
-              </a:rPr>
-              <a:t>elif</a:t>
-            </a:r>
-            <a:r>
-              <a:rPr lang="de-DE" sz="1600" b="1" dirty="0">
-                <a:solidFill>
-                  <a:srgbClr val="0033B3"/>
-                </a:solidFill>
-                <a:latin typeface="Courier New" panose="02070309020205020404" pitchFamily="49" charset="0"/>
-                <a:cs typeface="Courier New" panose="02070309020205020404" pitchFamily="49" charset="0"/>
-              </a:rPr>
-              <a:t> </a:t>
-            </a:r>
-            <a:r>
-              <a:rPr lang="de-DE" sz="1600" b="1" dirty="0" err="1">
-                <a:solidFill>
-                  <a:srgbClr val="0033B3"/>
-                </a:solidFill>
-                <a:latin typeface="Courier New" panose="02070309020205020404" pitchFamily="49" charset="0"/>
-                <a:cs typeface="Courier New" panose="02070309020205020404" pitchFamily="49" charset="0"/>
-              </a:rPr>
-              <a:t>else</a:t>
-            </a:r>
             <a:endParaRPr lang="en-US" sz="1600" b="1" spc="-1" dirty="0">
               <a:solidFill>
                 <a:srgbClr val="000000"/>
               </a:solidFill>
-              <a:latin typeface="Courier New" panose="02070309020205020404" pitchFamily="49" charset="0"/>
-              <a:cs typeface="Courier New" panose="02070309020205020404" pitchFamily="49" charset="0"/>
-            </a:endParaRPr>
-          </a:p>
-          <a:p>
-            <a:pPr marL="324000" lvl="2" indent="-323280">
-              <a:lnSpc>
-                <a:spcPct val="110000"/>
-              </a:lnSpc>
-              <a:buClr>
-                <a:srgbClr val="009AD1"/>
-              </a:buClr>
-              <a:buFont typeface="Arial"/>
-              <a:buChar char="−"/>
-              <a:tabLst>
-                <a:tab pos="0" algn="l"/>
-              </a:tabLst>
-            </a:pPr>
-            <a:r>
-              <a:rPr lang="en-US" sz="1600" i="1" spc="-1" dirty="0">
-                <a:solidFill>
-                  <a:srgbClr val="000000"/>
-                </a:solidFill>
-              </a:rPr>
-              <a:t>Loops</a:t>
-            </a:r>
-            <a:r>
-              <a:rPr lang="en-US" sz="1600" spc="-1" dirty="0">
-                <a:solidFill>
-                  <a:srgbClr val="000000"/>
-                </a:solidFill>
-              </a:rPr>
-              <a:t>: </a:t>
-            </a:r>
-            <a:r>
-              <a:rPr lang="de-DE" sz="1600" b="1" dirty="0" err="1">
-                <a:solidFill>
-                  <a:srgbClr val="0033B3"/>
-                </a:solidFill>
-                <a:latin typeface="Courier New" panose="02070309020205020404" pitchFamily="49" charset="0"/>
-                <a:cs typeface="Courier New" panose="02070309020205020404" pitchFamily="49" charset="0"/>
-              </a:rPr>
-              <a:t>for</a:t>
-            </a:r>
-            <a:r>
-              <a:rPr lang="de-DE" sz="1600" b="1" dirty="0">
-                <a:solidFill>
-                  <a:srgbClr val="0033B3"/>
-                </a:solidFill>
-                <a:latin typeface="Courier New" panose="02070309020205020404" pitchFamily="49" charset="0"/>
-                <a:cs typeface="Courier New" panose="02070309020205020404" pitchFamily="49" charset="0"/>
-              </a:rPr>
+            </a:endParaRPr>
+          </a:p>
+        </p:txBody>
+      </p:sp>
+      <p:pic>
+        <p:nvPicPr>
+          <p:cNvPr id="3" name="Grafik 2" descr="Ein Bild, das Text enthält.&#10;&#10;Automatisch generierte Beschreibung">
+            <a:extLst>
+              <a:ext uri="{FF2B5EF4-FFF2-40B4-BE49-F238E27FC236}">
+                <a16:creationId xmlns:a16="http://schemas.microsoft.com/office/drawing/2014/main" id="{6BEBFAC2-C003-AE46-ABD6-D0B7A20B45B0}"/>
+              </a:ext>
+            </a:extLst>
+          </p:cNvPr>
+          <p:cNvPicPr>
+            <a:picLocks noChangeAspect="1"/>
+          </p:cNvPicPr>
+          <p:nvPr/>
+        </p:nvPicPr>
+        <p:blipFill>
+          <a:blip r:embed="rId2">
+            <a:extLst>
+              <a:ext uri="{28A0092B-C50C-407E-A947-70E740481C1C}">
+                <a14:useLocalDpi xmlns:a14="http://schemas.microsoft.com/office/drawing/2010/main" val="0"/>
+              </a:ext>
+            </a:extLst>
+          </a:blip>
+          <a:stretch>
+            <a:fillRect/>
+          </a:stretch>
+        </p:blipFill>
+        <p:spPr>
+          <a:xfrm>
+            <a:off x="589574" y="982382"/>
+            <a:ext cx="3175000" cy="3810000"/>
+          </a:xfrm>
+          <a:prstGeom prst="rect">
+            <a:avLst/>
+          </a:prstGeom>
+        </p:spPr>
+      </p:pic>
+      <p:sp>
+        <p:nvSpPr>
+          <p:cNvPr id="5" name="Textfeld 4">
+            <a:extLst>
+              <a:ext uri="{FF2B5EF4-FFF2-40B4-BE49-F238E27FC236}">
+                <a16:creationId xmlns:a16="http://schemas.microsoft.com/office/drawing/2014/main" id="{0B2A1E9E-86BE-4D4B-87A5-BE86F0CF1A4D}"/>
+              </a:ext>
+            </a:extLst>
+          </p:cNvPr>
+          <p:cNvSpPr txBox="1"/>
+          <p:nvPr/>
+        </p:nvSpPr>
+        <p:spPr>
+          <a:xfrm>
+            <a:off x="4307681" y="2888050"/>
+            <a:ext cx="5290525" cy="584775"/>
+          </a:xfrm>
+          <a:prstGeom prst="rect">
+            <a:avLst/>
+          </a:prstGeom>
+          <a:noFill/>
+        </p:spPr>
+        <p:txBody>
+          <a:bodyPr wrap="square" rtlCol="0">
+            <a:spAutoFit/>
+          </a:bodyPr>
+          <a:lstStyle/>
+          <a:p>
+            <a:r>
+              <a:rPr lang="en-US" sz="1600" dirty="0"/>
+              <a:t>(Time for a small pause:</a:t>
+            </a:r>
+          </a:p>
+          <a:p>
+            <a:r>
+              <a:rPr lang="en-US" sz="1600"/>
               <a:t> </a:t>
             </a:r>
             <a:r>
-              <a:rPr lang="de-DE" sz="1600" b="1" spc="-1" dirty="0" err="1">
-                <a:solidFill>
-                  <a:srgbClr val="0033B3"/>
-                </a:solidFill>
-                <a:latin typeface="Courier New" panose="02070309020205020404" pitchFamily="49" charset="0"/>
-                <a:cs typeface="Courier New" panose="02070309020205020404" pitchFamily="49" charset="0"/>
-              </a:rPr>
-              <a:t>while</a:t>
-            </a:r>
-            <a:endParaRPr lang="en-US" sz="1600" spc="-1" dirty="0">
-              <a:solidFill>
-                <a:srgbClr val="000000"/>
-              </a:solidFill>
-            </a:endParaRPr>
+              <a:rPr lang="en-US" sz="1600" dirty="0"/>
+              <a:t> </a:t>
+            </a:r>
+            <a:r>
+              <a:rPr lang="en-US" sz="1600"/>
+              <a:t>some </a:t>
+            </a:r>
+            <a:r>
+              <a:rPr lang="en-US" sz="1600" dirty="0"/>
+              <a:t>pseudo-programming-language meme for fun.)</a:t>
+            </a:r>
+          </a:p>
+        </p:txBody>
+      </p:sp>
+      <p:sp>
+        <p:nvSpPr>
+          <p:cNvPr id="6" name="Textfeld 5">
+            <a:extLst>
+              <a:ext uri="{FF2B5EF4-FFF2-40B4-BE49-F238E27FC236}">
+                <a16:creationId xmlns:a16="http://schemas.microsoft.com/office/drawing/2014/main" id="{6595682B-EBD8-DA4F-A7AA-E41DF54D220A}"/>
+              </a:ext>
+            </a:extLst>
+          </p:cNvPr>
+          <p:cNvSpPr txBox="1"/>
+          <p:nvPr/>
+        </p:nvSpPr>
+        <p:spPr>
+          <a:xfrm>
+            <a:off x="589574" y="4864503"/>
+            <a:ext cx="3718107" cy="461665"/>
+          </a:xfrm>
+          <a:prstGeom prst="rect">
+            <a:avLst/>
+          </a:prstGeom>
+          <a:noFill/>
+        </p:spPr>
+        <p:txBody>
+          <a:bodyPr wrap="square" rtlCol="0">
+            <a:spAutoFit/>
+          </a:bodyPr>
+          <a:lstStyle/>
+          <a:p>
+            <a:r>
+              <a:rPr lang="en-US" sz="1200" dirty="0">
+                <a:solidFill>
+                  <a:schemeClr val="bg1">
+                    <a:lumMod val="65000"/>
+                  </a:schemeClr>
+                </a:solidFill>
+              </a:rPr>
+              <a:t>Source: https://</a:t>
+            </a:r>
+            <a:r>
+              <a:rPr lang="en-US" sz="1200" dirty="0" err="1">
+                <a:solidFill>
+                  <a:schemeClr val="bg1">
+                    <a:lumMod val="65000"/>
+                  </a:schemeClr>
+                </a:solidFill>
+              </a:rPr>
+              <a:t>www.pinterest.de</a:t>
+            </a:r>
+            <a:r>
+              <a:rPr lang="en-US" sz="1200" dirty="0">
+                <a:solidFill>
+                  <a:schemeClr val="bg1">
+                    <a:lumMod val="65000"/>
+                  </a:schemeClr>
+                </a:solidFill>
+              </a:rPr>
+              <a:t>/pin/705024516665158762/</a:t>
+            </a:r>
           </a:p>
         </p:txBody>
       </p:sp>
     </p:spTree>
     <p:extLst>
       <p:ext uri="{BB962C8B-B14F-4D97-AF65-F5344CB8AC3E}">
-        <p14:creationId xmlns:p14="http://schemas.microsoft.com/office/powerpoint/2010/main" val="159485503"/>
+        <p14:creationId xmlns:p14="http://schemas.microsoft.com/office/powerpoint/2010/main" val="3150708709"/>
       </p:ext>
     </p:extLst>
   </p:cSld>
@@ -5086,34 +4970,6 @@
               </a:rPr>
               <a:t>Structures</a:t>
             </a:r>
-            <a:r>
-              <a:rPr lang="de-DE" sz="2000" b="1" u="sng" spc="-1" dirty="0">
-                <a:solidFill>
-                  <a:srgbClr val="000000"/>
-                </a:solidFill>
-                <a:uFill>
-                  <a:solidFill>
-                    <a:srgbClr val="009AD1"/>
-                  </a:solidFill>
-                </a:uFill>
-                <a:latin typeface="Arial"/>
-              </a:rPr>
-              <a:t>: </a:t>
-            </a:r>
-            <a:r>
-              <a:rPr lang="de-DE" sz="2000" b="1" u="sng" spc="-1" dirty="0" err="1">
-                <a:solidFill>
-                  <a:srgbClr val="000000"/>
-                </a:solidFill>
-                <a:uFill>
-                  <a:solidFill>
-                    <a:srgbClr val="009AD1"/>
-                  </a:solidFill>
-                </a:uFill>
-                <a:latin typeface="Arial"/>
-              </a:rPr>
-              <a:t>Branching</a:t>
-            </a:r>
             <a:endParaRPr lang="de-DE" sz="2000" b="0" strike="noStrike" spc="-1" dirty="0">
               <a:latin typeface="Arial"/>
             </a:endParaRPr>
@@ -5176,66 +5032,54 @@
                   <a:srgbClr val="000000"/>
                 </a:solidFill>
               </a:rPr>
-              <a:t>Branching </a:t>
-            </a:r>
-            <a:r>
-              <a:rPr lang="de-DE" sz="1600" b="1" dirty="0" err="1">
-                <a:solidFill>
-                  <a:srgbClr val="0033B3"/>
-                </a:solidFill>
-                <a:latin typeface="Courier New" panose="02070309020205020404" pitchFamily="49" charset="0"/>
-                <a:cs typeface="Courier New" panose="02070309020205020404" pitchFamily="49" charset="0"/>
-              </a:rPr>
-              <a:t>if</a:t>
-            </a:r>
-            <a:r>
-              <a:rPr lang="de-DE" sz="1600" b="1" dirty="0">
-                <a:solidFill>
-                  <a:srgbClr val="0033B3"/>
-                </a:solidFill>
-                <a:latin typeface="Courier New" panose="02070309020205020404" pitchFamily="49" charset="0"/>
-                <a:cs typeface="Courier New" panose="02070309020205020404" pitchFamily="49" charset="0"/>
-              </a:rPr>
-              <a:t> </a:t>
-            </a:r>
-            <a:r>
-              <a:rPr lang="de-DE" sz="1600" b="1" dirty="0" err="1">
-                <a:solidFill>
-                  <a:srgbClr val="0033B3"/>
-                </a:solidFill>
-                <a:latin typeface="Courier New" panose="02070309020205020404" pitchFamily="49" charset="0"/>
-                <a:cs typeface="Courier New" panose="02070309020205020404" pitchFamily="49" charset="0"/>
-              </a:rPr>
-              <a:t>elif</a:t>
-            </a:r>
-            <a:r>
-              <a:rPr lang="de-DE" sz="1600" b="1" dirty="0">
-                <a:solidFill>
-                  <a:srgbClr val="0033B3"/>
-                </a:solidFill>
-                <a:latin typeface="Courier New" panose="02070309020205020404" pitchFamily="49" charset="0"/>
-                <a:cs typeface="Courier New" panose="02070309020205020404" pitchFamily="49" charset="0"/>
-              </a:rPr>
-              <a:t> </a:t>
-            </a:r>
-            <a:r>
-              <a:rPr lang="de-DE" sz="1600" b="1" dirty="0" err="1">
-                <a:solidFill>
-                  <a:srgbClr val="0033B3"/>
-                </a:solidFill>
-                <a:latin typeface="Courier New" panose="02070309020205020404" pitchFamily="49" charset="0"/>
-                <a:cs typeface="Courier New" panose="02070309020205020404" pitchFamily="49" charset="0"/>
-              </a:rPr>
-              <a:t>else</a:t>
-            </a:r>
+              <a:t>What we have programmed in the intro-section: sequence of statements that are executed one after the other. </a:t>
+            </a:r>
+          </a:p>
+          <a:p>
+            <a:pPr marL="457920" lvl="3">
+              <a:lnSpc>
+                <a:spcPct val="110000"/>
+              </a:lnSpc>
+              <a:buClr>
+                <a:srgbClr val="009AD1"/>
+              </a:buClr>
+              <a:tabLst>
+                <a:tab pos="0" algn="l"/>
+              </a:tabLst>
+            </a:pPr>
             <a:r>
               <a:rPr lang="en-US" sz="1600" spc="-1" dirty="0">
                 <a:solidFill>
                   <a:srgbClr val="000000"/>
                 </a:solidFill>
-              </a:rPr>
-              <a:t>: </a:t>
-            </a:r>
+                <a:sym typeface="Wingdings" pitchFamily="2" charset="2"/>
+              </a:rPr>
+              <a:t> They are not that powerful: They will be executed once at each run of the script, and that’s all. </a:t>
+            </a:r>
+            <a:endParaRPr lang="en-US" sz="1600" spc="-1" dirty="0">
+              <a:solidFill>
+                <a:srgbClr val="000000"/>
+              </a:solidFill>
+            </a:endParaRPr>
+          </a:p>
+          <a:p>
+            <a:pPr marL="720" lvl="2">
+              <a:lnSpc>
+                <a:spcPct val="110000"/>
+              </a:lnSpc>
+              <a:buClr>
+                <a:srgbClr val="009AD1"/>
+              </a:buClr>
+              <a:tabLst>
+                <a:tab pos="0" algn="l"/>
+              </a:tabLst>
+            </a:pPr>
+            <a:endParaRPr lang="en-US" sz="1600" spc="-1" dirty="0">
+              <a:solidFill>
+                <a:srgbClr val="000000"/>
+              </a:solidFill>
+              <a:sym typeface="Wingdings" pitchFamily="2" charset="2"/>
+            </a:endParaRPr>
           </a:p>
           <a:p>
             <a:pPr marL="324000" lvl="2" indent="-323280">
@@ -5251,13 +5095,70 @@
                 <a:tab pos="0" algn="l"/>
               </a:tabLst>
             </a:pPr>
-            <a:endParaRPr lang="en-US" sz="1600" b="1" spc="-1" dirty="0">
-              <a:solidFill>
-                <a:srgbClr val="000000"/>
-              </a:solidFill>
-              <a:latin typeface="Courier New" panose="02070309020205020404" pitchFamily="49" charset="0"/>
-              <a:cs typeface="Courier New" panose="02070309020205020404" pitchFamily="49" charset="0"/>
-            </a:endParaRPr>
+            <a:r>
+              <a:rPr lang="en-US" sz="1600" spc="-1" dirty="0">
+                <a:solidFill>
+                  <a:srgbClr val="000000"/>
+                </a:solidFill>
+              </a:rPr>
+              <a:t>With control structures, you will be able to…</a:t>
+            </a:r>
+          </a:p>
+          <a:p>
+            <a:pPr marL="781200" lvl="3" indent="-323280">
+              <a:lnSpc>
+                <a:spcPct val="110000"/>
+              </a:lnSpc>
+              <a:buClr>
+                <a:srgbClr val="009AD1"/>
+              </a:buClr>
+              <a:buFont typeface="Arial"/>
+              <a:buChar char="−"/>
+              <a:tabLst>
+                <a:tab pos="0" algn="l"/>
+              </a:tabLst>
+            </a:pPr>
+            <a:r>
+              <a:rPr lang="en-US" sz="1600" spc="-1" dirty="0">
+                <a:solidFill>
+                  <a:srgbClr val="000000"/>
+                </a:solidFill>
+                <a:sym typeface="Wingdings" pitchFamily="2" charset="2"/>
+              </a:rPr>
+              <a:t>execute statements only under certain conditions; </a:t>
+            </a:r>
+          </a:p>
+          <a:p>
+            <a:pPr marL="781200" lvl="3" indent="-323280">
+              <a:lnSpc>
+                <a:spcPct val="110000"/>
+              </a:lnSpc>
+              <a:buClr>
+                <a:srgbClr val="009AD1"/>
+              </a:buClr>
+              <a:buFont typeface="Arial"/>
+              <a:buChar char="−"/>
+              <a:tabLst>
+                <a:tab pos="0" algn="l"/>
+              </a:tabLst>
+            </a:pPr>
+            <a:r>
+              <a:rPr lang="en-US" sz="1600" spc="-1" dirty="0">
+                <a:solidFill>
+                  <a:srgbClr val="000000"/>
+                </a:solidFill>
+                <a:sym typeface="Wingdings" pitchFamily="2" charset="2"/>
+              </a:rPr>
+              <a:t>execute statements for any number of times as defined by you.</a:t>
+            </a:r>
+            <a:r>
+              <a:rPr lang="en-US" sz="1600" spc="-1" dirty="0">
+                <a:solidFill>
+                  <a:srgbClr val="000000"/>
+                </a:solidFill>
+              </a:rPr>
+              <a:t> </a:t>
+            </a:r>
           </a:p>
           <a:p>
             <a:pPr marL="720" lvl="2">
@@ -5271,50 +5172,11 @@
                 <a:tab pos="0" algn="l"/>
               </a:tabLst>
             </a:pPr>
-            <a:r>
-              <a:rPr lang="de-DE" sz="1600" b="1" dirty="0">
-                <a:solidFill>
-                  <a:srgbClr val="0033B3"/>
-                </a:solidFill>
-                <a:latin typeface="Courier New" panose="02070309020205020404" pitchFamily="49" charset="0"/>
-                <a:cs typeface="Courier New" panose="02070309020205020404" pitchFamily="49" charset="0"/>
-              </a:rPr>
-              <a:t>	</a:t>
-            </a:r>
-            <a:r>
-              <a:rPr lang="de-DE" sz="1600" b="1" dirty="0" err="1">
-                <a:solidFill>
-                  <a:srgbClr val="0033B3"/>
-                </a:solidFill>
-                <a:latin typeface="Courier New" panose="02070309020205020404" pitchFamily="49" charset="0"/>
-                <a:cs typeface="Courier New" panose="02070309020205020404" pitchFamily="49" charset="0"/>
-              </a:rPr>
-              <a:t>if</a:t>
-            </a:r>
-            <a:r>
-              <a:rPr lang="de-DE" sz="1600" b="1" dirty="0">
-                <a:solidFill>
-                  <a:srgbClr val="0033B3"/>
-                </a:solidFill>
-                <a:latin typeface="Courier New" panose="02070309020205020404" pitchFamily="49" charset="0"/>
-                <a:cs typeface="Courier New" panose="02070309020205020404" pitchFamily="49" charset="0"/>
-              </a:rPr>
-              <a:t> </a:t>
-            </a:r>
-            <a:r>
-              <a:rPr lang="de-DE" sz="1600" b="1" dirty="0" err="1">
-                <a:latin typeface="Courier New" panose="02070309020205020404" pitchFamily="49" charset="0"/>
-                <a:cs typeface="Courier New" panose="02070309020205020404" pitchFamily="49" charset="0"/>
-              </a:rPr>
-              <a:t>clause</a:t>
-            </a:r>
-            <a:r>
-              <a:rPr lang="de-DE" sz="1600" b="1" dirty="0">
-                <a:latin typeface="Courier New" panose="02070309020205020404" pitchFamily="49" charset="0"/>
-                <a:cs typeface="Courier New" panose="02070309020205020404" pitchFamily="49" charset="0"/>
-              </a:rPr>
-              <a:t>:</a:t>
-            </a:r>
+            <a:endParaRPr lang="en-US" sz="1600" spc="-1" dirty="0">
+              <a:solidFill>
+                <a:srgbClr val="000000"/>
+              </a:solidFill>
+            </a:endParaRPr>
           </a:p>
           <a:p>
             <a:pPr marL="720" lvl="2">
@@ -5329,76 +5191,13 @@
               </a:tabLst>
             </a:pPr>
             <a:r>
-              <a:rPr lang="de-DE" sz="1600" b="1" spc="-1" dirty="0">
-                <a:latin typeface="Courier New" panose="02070309020205020404" pitchFamily="49" charset="0"/>
-                <a:cs typeface="Courier New" panose="02070309020205020404" pitchFamily="49" charset="0"/>
-              </a:rPr>
-              <a:t>		my_statements_1</a:t>
-            </a:r>
-          </a:p>
-          <a:p>
-            <a:pPr marL="720" lvl="2">
-              <a:lnSpc>
-                <a:spcPct val="110000"/>
-              </a:lnSpc>
-              <a:buClr>
-                <a:srgbClr val="009AD1"/>
-              </a:buClr>
-              <a:tabLst>
-                <a:tab pos="0" algn="l"/>
-              </a:tabLst>
-            </a:pPr>
-            <a:r>
-              <a:rPr lang="de-DE" sz="1600" b="1" spc="-1" dirty="0">
-                <a:solidFill>
-                  <a:srgbClr val="0033B3"/>
-                </a:solidFill>
-                <a:latin typeface="Courier New" panose="02070309020205020404" pitchFamily="49" charset="0"/>
-                <a:cs typeface="Courier New" panose="02070309020205020404" pitchFamily="49" charset="0"/>
-              </a:rPr>
-              <a:t>		</a:t>
-            </a:r>
-            <a:r>
-              <a:rPr lang="de-DE" sz="1600" b="1" spc="-1" dirty="0">
-                <a:latin typeface="Courier New" panose="02070309020205020404" pitchFamily="49" charset="0"/>
-                <a:cs typeface="Courier New" panose="02070309020205020404" pitchFamily="49" charset="0"/>
-              </a:rPr>
-              <a:t>my_statements_2</a:t>
-            </a:r>
-          </a:p>
-          <a:p>
-            <a:pPr marL="720" lvl="2">
-              <a:lnSpc>
-                <a:spcPct val="110000"/>
-              </a:lnSpc>
-              <a:buClr>
-                <a:srgbClr val="009AD1"/>
-              </a:buClr>
-              <a:tabLst>
-                <a:tab pos="0" algn="l"/>
-              </a:tabLst>
-            </a:pPr>
-            <a:endParaRPr lang="de-DE" sz="1600" b="1" spc="-1" dirty="0">
-              <a:latin typeface="Courier New" panose="02070309020205020404" pitchFamily="49" charset="0"/>
-              <a:cs typeface="Courier New" panose="02070309020205020404" pitchFamily="49" charset="0"/>
-            </a:endParaRPr>
-          </a:p>
-          <a:p>
-            <a:pPr marL="720" lvl="2">
-              <a:lnSpc>
-                <a:spcPct val="110000"/>
-              </a:lnSpc>
-              <a:buClr>
-                <a:srgbClr val="009AD1"/>
-              </a:buClr>
-              <a:tabLst>
-                <a:tab pos="0" algn="l"/>
-              </a:tabLst>
-            </a:pPr>
-            <a:endParaRPr lang="de-DE" sz="1600" b="1" spc="-1" dirty="0">
-              <a:latin typeface="Courier New" panose="02070309020205020404" pitchFamily="49" charset="0"/>
-              <a:cs typeface="Courier New" panose="02070309020205020404" pitchFamily="49" charset="0"/>
-            </a:endParaRPr>
+              <a:rPr lang="en-US" sz="1600" spc="-1" dirty="0">
+                <a:solidFill>
+                  <a:srgbClr val="000000"/>
+                </a:solidFill>
+              </a:rPr>
+              <a:t>Control sequences in Python:</a:t>
+            </a:r>
           </a:p>
           <a:p>
             <a:pPr marL="324000" lvl="2" indent="-323280">
@@ -5415,6 +5214,22 @@
               </a:tabLst>
             </a:pPr>
             <a:r>
+              <a:rPr lang="en-US" sz="1600" i="1" spc="-1" dirty="0">
+                <a:solidFill>
+                  <a:srgbClr val="000000"/>
+                </a:solidFill>
+              </a:rPr>
+              <a:t>Branching</a:t>
+            </a:r>
+            <a:r>
+              <a:rPr lang="en-US" sz="1600" spc="-1" dirty="0">
+                <a:solidFill>
+                  <a:srgbClr val="000000"/>
+                </a:solidFill>
+              </a:rPr>
+              <a:t>: </a:t>
+            </a:r>
+            <a:r>
               <a:rPr lang="de-DE" sz="1600" b="1" dirty="0" err="1">
                 <a:solidFill>
                   <a:srgbClr val="0033B3"/>
@@ -5425,15 +5240,7 @@
               <a:t>if</a:t>
             </a:r>
             <a:r>
-              <a:rPr lang="en-US" sz="1600" spc="-1" dirty="0">
-                <a:solidFill>
-                  <a:srgbClr val="000000"/>
-                </a:solidFill>
-              </a:rPr>
-              <a:t> can be augmented with</a:t>
-            </a:r>
-            <a:r>
-              <a:rPr lang="de-DE" sz="1600" b="1" spc="-1" dirty="0">
+              <a:rPr lang="de-DE" sz="1600" b="1" dirty="0">
                 <a:solidFill>
                   <a:srgbClr val="0033B3"/>
                 </a:solidFill>
@@ -5463,110 +5270,19 @@
               <a:t> </a:t>
             </a:r>
             <a:r>
-              <a:rPr lang="en-US" sz="1600" spc="-1" dirty="0">
-                <a:solidFill>
-                  <a:srgbClr val="000000"/>
-                </a:solidFill>
-              </a:rPr>
-              <a:t>and</a:t>
-            </a:r>
-            <a:r>
-              <a:rPr lang="de-DE" sz="1600" b="1" dirty="0">
+              <a:rPr lang="de-DE" sz="1600" b="1" dirty="0" err="1">
                 <a:solidFill>
                   <a:srgbClr val="0033B3"/>
                 </a:solidFill>
                 <a:latin typeface="Courier New" panose="02070309020205020404" pitchFamily="49" charset="0"/>
                 <a:cs typeface="Courier New" panose="02070309020205020404" pitchFamily="49" charset="0"/>
               </a:rPr>
-              <a:t> </a:t>
-            </a:r>
-            <a:r>
-              <a:rPr lang="de-DE" sz="1600" b="1" dirty="0" err="1">
-                <a:solidFill>
-                  <a:srgbClr val="0033B3"/>
-                </a:solidFill>
-                <a:latin typeface="Courier New" panose="02070309020205020404" pitchFamily="49" charset="0"/>
-                <a:cs typeface="Courier New" panose="02070309020205020404" pitchFamily="49" charset="0"/>
-              </a:rPr>
               <a:t>else</a:t>
             </a:r>
-            <a:r>
-              <a:rPr lang="en-US" sz="1600" spc="-1" dirty="0">
-                <a:solidFill>
-                  <a:srgbClr val="000000"/>
-                </a:solidFill>
-              </a:rPr>
-              <a:t> </a:t>
-            </a:r>
-          </a:p>
-          <a:p>
-            <a:pPr marL="720" lvl="2">
-              <a:lnSpc>
-                <a:spcPct val="110000"/>
-              </a:lnSpc>
-              <a:buClr>
-                <a:srgbClr val="009AD1"/>
-              </a:buClr>
-              <a:tabLst>
-                <a:tab pos="0" algn="l"/>
-              </a:tabLst>
-            </a:pPr>
-            <a:endParaRPr lang="de-DE" sz="1600" b="1" spc="-1" dirty="0">
-              <a:latin typeface="Courier New" panose="02070309020205020404" pitchFamily="49" charset="0"/>
-              <a:cs typeface="Courier New" panose="02070309020205020404" pitchFamily="49" charset="0"/>
-            </a:endParaRPr>
-          </a:p>
-          <a:p>
-            <a:pPr marL="720" lvl="2">
-              <a:lnSpc>
-                <a:spcPct val="110000"/>
-              </a:lnSpc>
-              <a:buClr>
-                <a:srgbClr val="009AD1"/>
-              </a:buClr>
-              <a:tabLst>
-                <a:tab pos="0" algn="l"/>
-              </a:tabLst>
-            </a:pPr>
-            <a:r>
-              <a:rPr lang="de-DE" sz="1600" b="1" spc="-1" dirty="0">
-                <a:solidFill>
-                  <a:schemeClr val="accent1"/>
-                </a:solidFill>
-              </a:rPr>
-              <a:t>Demo</a:t>
-            </a:r>
-            <a:r>
-              <a:rPr lang="en-US" sz="1600" b="1" spc="-1" dirty="0">
-                <a:solidFill>
-                  <a:schemeClr val="accent1"/>
-                </a:solidFill>
-              </a:rPr>
-              <a:t>: </a:t>
-            </a:r>
-            <a:r>
-              <a:rPr lang="de-DE" sz="1600" dirty="0" err="1">
-                <a:latin typeface="Courier New" panose="02070309020205020404" pitchFamily="49" charset="0"/>
-                <a:cs typeface="Courier New" panose="02070309020205020404" pitchFamily="49" charset="0"/>
-              </a:rPr>
-              <a:t>control_structures.ipynb</a:t>
-            </a:r>
-            <a:r>
-              <a:rPr lang="de-DE" sz="1600" dirty="0">
-                <a:latin typeface="Courier New" panose="02070309020205020404" pitchFamily="49" charset="0"/>
-                <a:cs typeface="Courier New" panose="02070309020205020404" pitchFamily="49" charset="0"/>
-              </a:rPr>
-              <a:t> </a:t>
-            </a:r>
-            <a:r>
-              <a:rPr lang="en-US" sz="1600" spc="-1" dirty="0">
-                <a:solidFill>
-                  <a:srgbClr val="000000"/>
-                </a:solidFill>
-              </a:rPr>
-              <a:t>(Section 1)</a:t>
-            </a:r>
-            <a:endParaRPr lang="de-DE" sz="1600" b="1" spc="-1" dirty="0">
+            <a:endParaRPr lang="en-US" sz="1600" b="1" spc="-1" dirty="0">
+              <a:solidFill>
+                <a:srgbClr val="000000"/>
+              </a:solidFill>
               <a:latin typeface="Courier New" panose="02070309020205020404" pitchFamily="49" charset="0"/>
               <a:cs typeface="Courier New" panose="02070309020205020404" pitchFamily="49" charset="0"/>
             </a:endParaRPr>
@@ -5585,202 +5301,64 @@
                 <a:tab pos="0" algn="l"/>
               </a:tabLst>
             </a:pPr>
-            <a:endParaRPr lang="en-US" sz="1600" b="1" spc="-1" dirty="0">
+            <a:r>
+              <a:rPr lang="en-US" sz="1600" i="1" spc="-1" dirty="0">
+                <a:solidFill>
+                  <a:srgbClr val="000000"/>
+                </a:solidFill>
+              </a:rPr>
+              <a:t>Loops</a:t>
+            </a:r>
+            <a:r>
+              <a:rPr lang="en-US" sz="1600" spc="-1" dirty="0">
+                <a:solidFill>
+                  <a:srgbClr val="000000"/>
+                </a:solidFill>
+              </a:rPr>
+              <a:t>: </a:t>
+            </a:r>
+            <a:r>
+              <a:rPr lang="de-DE" sz="1600" b="1" dirty="0" err="1">
+                <a:solidFill>
+                  <a:srgbClr val="0033B3"/>
+                </a:solidFill>
+                <a:latin typeface="Courier New" panose="02070309020205020404" pitchFamily="49" charset="0"/>
+                <a:cs typeface="Courier New" panose="02070309020205020404" pitchFamily="49" charset="0"/>
+              </a:rPr>
+              <a:t>for</a:t>
+            </a:r>
+            <a:r>
+              <a:rPr lang="de-DE" sz="1600" b="1" dirty="0">
+                <a:solidFill>
+                  <a:srgbClr val="0033B3"/>
+                </a:solidFill>
+                <a:latin typeface="Courier New" panose="02070309020205020404" pitchFamily="49" charset="0"/>
+                <a:cs typeface="Courier New" panose="02070309020205020404" pitchFamily="49" charset="0"/>
+              </a:rPr>
+              <a:t> </a:t>
+            </a:r>
+            <a:r>
+              <a:rPr lang="de-DE" sz="1600" b="1" spc="-1" dirty="0" err="1">
+                <a:solidFill>
+                  <a:srgbClr val="0033B3"/>
+                </a:solidFill>
+                <a:latin typeface="Courier New" panose="02070309020205020404" pitchFamily="49" charset="0"/>
+                <a:cs typeface="Courier New" panose="02070309020205020404" pitchFamily="49" charset="0"/>
+              </a:rPr>
+              <a:t>while</a:t>
+            </a:r>
+            <a:endParaRPr lang="en-US" sz="1600" spc="-1" dirty="0">
               <a:solidFill>
                 <a:srgbClr val="000000"/>
               </a:solidFill>
-              <a:latin typeface="Courier New" panose="02070309020205020404" pitchFamily="49" charset="0"/>
-              <a:cs typeface="Courier New" panose="02070309020205020404" pitchFamily="49" charset="0"/>
-            </a:endParaRPr>
-          </a:p>
-        </p:txBody>
-      </p:sp>
-      <p:sp>
-        <p:nvSpPr>
-          <p:cNvPr id="5" name="Rechteck 4">
-            <a:extLst>
-              <a:ext uri="{FF2B5EF4-FFF2-40B4-BE49-F238E27FC236}">
-                <a16:creationId xmlns:a16="http://schemas.microsoft.com/office/drawing/2014/main" id="{8F320A9C-E65C-0A48-8D4F-C2A866263C72}"/>
-              </a:ext>
-            </a:extLst>
-          </p:cNvPr>
-          <p:cNvSpPr/>
-          <p:nvPr/>
-        </p:nvSpPr>
-        <p:spPr>
-          <a:xfrm>
-            <a:off x="1544024" y="1799136"/>
-            <a:ext cx="818732" cy="229898"/>
-          </a:xfrm>
-          <a:prstGeom prst="rect">
-            <a:avLst/>
-          </a:prstGeom>
-          <a:noFill/>
-          <a:ln>
-            <a:solidFill>
-              <a:srgbClr val="FF0000"/>
-            </a:solidFill>
-          </a:ln>
-        </p:spPr>
-        <p:style>
-          <a:lnRef idx="2">
-            <a:schemeClr val="accent1">
-              <a:shade val="50000"/>
-            </a:schemeClr>
-          </a:lnRef>
-          <a:fillRef idx="1">
-            <a:schemeClr val="accent1"/>
-          </a:fillRef>
-          <a:effectRef idx="0">
-            <a:schemeClr val="accent1"/>
-          </a:effectRef>
-          <a:fontRef idx="minor">
-            <a:schemeClr val="lt1"/>
-          </a:fontRef>
-        </p:style>
-        <p:txBody>
-          <a:bodyPr rtlCol="0" anchor="ctr"/>
-          <a:lstStyle/>
-          <a:p>
-            <a:pPr algn="ctr"/>
-            <a:endParaRPr lang="en-US"/>
-          </a:p>
-        </p:txBody>
-      </p:sp>
-      <p:sp>
-        <p:nvSpPr>
-          <p:cNvPr id="6" name="Textfeld 5">
-            <a:extLst>
-              <a:ext uri="{FF2B5EF4-FFF2-40B4-BE49-F238E27FC236}">
-                <a16:creationId xmlns:a16="http://schemas.microsoft.com/office/drawing/2014/main" id="{2A12389B-3091-5F4C-B274-81A589C88774}"/>
-              </a:ext>
-            </a:extLst>
-          </p:cNvPr>
-          <p:cNvSpPr txBox="1"/>
-          <p:nvPr/>
-        </p:nvSpPr>
-        <p:spPr>
-          <a:xfrm>
-            <a:off x="2621637" y="1690480"/>
-            <a:ext cx="4226351" cy="338554"/>
-          </a:xfrm>
-          <a:prstGeom prst="rect">
-            <a:avLst/>
-          </a:prstGeom>
-          <a:noFill/>
-        </p:spPr>
-        <p:txBody>
-          <a:bodyPr wrap="square" rtlCol="0">
-            <a:spAutoFit/>
-          </a:bodyPr>
-          <a:lstStyle/>
-          <a:p>
-            <a:r>
-              <a:rPr lang="en-US" sz="1600" dirty="0">
-                <a:solidFill>
-                  <a:srgbClr val="C00000"/>
-                </a:solidFill>
-              </a:rPr>
-              <a:t>check if the clause (condition) is true</a:t>
-            </a:r>
-          </a:p>
-        </p:txBody>
-      </p:sp>
-      <p:sp>
-        <p:nvSpPr>
-          <p:cNvPr id="7" name="Rechteck 6">
-            <a:extLst>
-              <a:ext uri="{FF2B5EF4-FFF2-40B4-BE49-F238E27FC236}">
-                <a16:creationId xmlns:a16="http://schemas.microsoft.com/office/drawing/2014/main" id="{F2E0E5F1-98B0-7C4F-90B3-D289CD69AF8E}"/>
-              </a:ext>
-            </a:extLst>
-          </p:cNvPr>
-          <p:cNvSpPr/>
-          <p:nvPr/>
-        </p:nvSpPr>
-        <p:spPr>
-          <a:xfrm>
-            <a:off x="2079017" y="2074851"/>
-            <a:ext cx="1999074" cy="529319"/>
-          </a:xfrm>
-          <a:prstGeom prst="rect">
-            <a:avLst/>
-          </a:prstGeom>
-          <a:noFill/>
-          <a:ln>
-            <a:solidFill>
-              <a:srgbClr val="00B050"/>
-            </a:solidFill>
-          </a:ln>
-        </p:spPr>
-        <p:style>
-          <a:lnRef idx="2">
-            <a:schemeClr val="accent1">
-              <a:shade val="50000"/>
-            </a:schemeClr>
-          </a:lnRef>
-          <a:fillRef idx="1">
-            <a:schemeClr val="accent1"/>
-          </a:fillRef>
-          <a:effectRef idx="0">
-            <a:schemeClr val="accent1"/>
-          </a:effectRef>
-          <a:fontRef idx="minor">
-            <a:schemeClr val="lt1"/>
-          </a:fontRef>
-        </p:style>
-        <p:txBody>
-          <a:bodyPr rtlCol="0" anchor="ctr"/>
-          <a:lstStyle/>
-          <a:p>
-            <a:pPr algn="ctr"/>
-            <a:endParaRPr lang="en-US"/>
-          </a:p>
-        </p:txBody>
-      </p:sp>
-      <p:sp>
-        <p:nvSpPr>
-          <p:cNvPr id="8" name="Textfeld 7">
-            <a:extLst>
-              <a:ext uri="{FF2B5EF4-FFF2-40B4-BE49-F238E27FC236}">
-                <a16:creationId xmlns:a16="http://schemas.microsoft.com/office/drawing/2014/main" id="{45190F41-403F-9545-B4BA-6A1B18C4B6A2}"/>
-              </a:ext>
-            </a:extLst>
-          </p:cNvPr>
-          <p:cNvSpPr txBox="1"/>
-          <p:nvPr/>
-        </p:nvSpPr>
-        <p:spPr>
-          <a:xfrm>
-            <a:off x="4039145" y="2170233"/>
-            <a:ext cx="5084832" cy="338554"/>
-          </a:xfrm>
-          <a:prstGeom prst="rect">
-            <a:avLst/>
-          </a:prstGeom>
-          <a:noFill/>
-        </p:spPr>
-        <p:txBody>
-          <a:bodyPr wrap="square" rtlCol="0">
-            <a:spAutoFit/>
-          </a:bodyPr>
-          <a:lstStyle/>
-          <a:p>
-            <a:r>
-              <a:rPr lang="en-US" sz="1600" dirty="0">
-                <a:solidFill>
-                  <a:srgbClr val="00B050"/>
-                </a:solidFill>
-              </a:rPr>
-              <a:t>if the clause is true, execute the block of statements</a:t>
-            </a:r>
+            </a:endParaRPr>
           </a:p>
         </p:txBody>
       </p:sp>
     </p:spTree>
     <p:extLst>
       <p:ext uri="{BB962C8B-B14F-4D97-AF65-F5344CB8AC3E}">
-        <p14:creationId xmlns:p14="http://schemas.microsoft.com/office/powerpoint/2010/main" val="4061304347"/>
+        <p14:creationId xmlns:p14="http://schemas.microsoft.com/office/powerpoint/2010/main" val="159485503"/>
       </p:ext>
     </p:extLst>
   </p:cSld>
@@ -5859,6 +5437,7 @@
                     <a:srgbClr val="009AD1"/>
                   </a:solidFill>
                 </a:uFill>
+                <a:latin typeface="Arial"/>
               </a:rPr>
               <a:t>Control </a:t>
             </a:r>
@@ -5872,6 +5451,7 @@
                     <a:srgbClr val="009AD1"/>
                   </a:solidFill>
                 </a:uFill>
+                <a:latin typeface="Arial"/>
               </a:rPr>
               <a:t>Structures</a:t>
             </a:r>
@@ -5885,8 +5465,23 @@
                     <a:srgbClr val="009AD1"/>
                   </a:solidFill>
                 </a:uFill>
-              </a:rPr>
-              <a:t>: Loops</a:t>
+                <a:latin typeface="Arial"/>
+              </a:rPr>
+              <a:t>: </a:t>
+            </a:r>
+            <a:r>
+              <a:rPr lang="de-DE" sz="2000" b="1" u="sng" spc="-1" dirty="0" err="1">
+                <a:solidFill>
+                  <a:srgbClr val="000000"/>
+                </a:solidFill>
+                <a:uFill>
+                  <a:solidFill>
+                    <a:srgbClr val="009AD1"/>
+                  </a:solidFill>
+                </a:uFill>
+                <a:latin typeface="Arial"/>
+              </a:rPr>
+              <a:t>Branching</a:t>
             </a:r>
             <a:endParaRPr lang="de-DE" sz="2000" b="0" strike="noStrike" spc="-1" dirty="0">
               <a:latin typeface="Arial"/>
@@ -5902,7 +5497,7 @@
         </p:nvSpPr>
         <p:spPr>
           <a:xfrm>
-            <a:off x="324000" y="817770"/>
+            <a:off x="324000" y="1224000"/>
             <a:ext cx="8495640" cy="3743640"/>
           </a:xfrm>
           <a:prstGeom prst="rect">
@@ -5950,63 +5545,7 @@
                   <a:srgbClr val="000000"/>
                 </a:solidFill>
               </a:rPr>
-              <a:t>Loops iterates over a sequence. (</a:t>
-            </a:r>
-            <a:r>
-              <a:rPr lang="en-US" sz="1600" i="1" spc="-1" dirty="0">
-                <a:solidFill>
-                  <a:srgbClr val="000000"/>
-                </a:solidFill>
-              </a:rPr>
-              <a:t>Iteration</a:t>
-            </a:r>
-            <a:r>
-              <a:rPr lang="en-US" sz="1600" spc="-1" dirty="0">
-                <a:solidFill>
-                  <a:srgbClr val="000000"/>
-                </a:solidFill>
-              </a:rPr>
-              <a:t>: Repeated execution of a block of statements)</a:t>
-            </a:r>
-          </a:p>
-          <a:p>
-            <a:pPr marL="720" lvl="2">
-              <a:lnSpc>
-                <a:spcPct val="110000"/>
-              </a:lnSpc>
-              <a:buClr>
-                <a:srgbClr val="009AD1"/>
-              </a:buClr>
-              <a:tabLst>
-                <a:tab pos="0" algn="l"/>
-              </a:tabLst>
-            </a:pPr>
-            <a:endParaRPr lang="en-US" sz="1600" spc="-1" dirty="0">
-              <a:solidFill>
-                <a:srgbClr val="000000"/>
-              </a:solidFill>
-            </a:endParaRPr>
-          </a:p>
-          <a:p>
-            <a:pPr>
-              <a:lnSpc>
-                <a:spcPct val="110000"/>
-              </a:lnSpc>
-              <a:tabLst>
-                <a:tab pos="0" algn="l"/>
-              </a:tabLst>
-            </a:pPr>
-            <a:r>
-              <a:rPr lang="de-DE" sz="1600" spc="-1" dirty="0"/>
-              <a:t>Iteration </a:t>
-            </a:r>
-            <a:r>
-              <a:rPr lang="de-DE" sz="1600" spc="-1" dirty="0" err="1"/>
-              <a:t>using</a:t>
-            </a:r>
-            <a:r>
-              <a:rPr lang="de-DE" sz="1600" spc="-1" dirty="0"/>
-              <a:t> </a:t>
+              <a:t>Branching </a:t>
             </a:r>
             <a:r>
               <a:rPr lang="de-DE" sz="1600" b="1" dirty="0" err="1">
@@ -6016,32 +5555,8 @@
                 <a:latin typeface="Courier New" panose="02070309020205020404" pitchFamily="49" charset="0"/>
                 <a:cs typeface="Courier New" panose="02070309020205020404" pitchFamily="49" charset="0"/>
               </a:rPr>
-              <a:t>for</a:t>
-            </a:r>
-            <a:r>
-              <a:rPr lang="en-US" sz="1600" spc="-1" dirty="0"/>
-              <a:t>:</a:t>
-            </a:r>
-            <a:endParaRPr lang="de-DE" sz="1600" dirty="0">
-              <a:solidFill>
-                <a:srgbClr val="0033B3"/>
-              </a:solidFill>
-              <a:latin typeface="Courier New" panose="02070309020205020404" pitchFamily="49" charset="0"/>
-              <a:cs typeface="Courier New" panose="02070309020205020404" pitchFamily="49" charset="0"/>
-            </a:endParaRPr>
-          </a:p>
-          <a:p>
-            <a:pPr marL="720" lvl="2">
-              <a:lnSpc>
-                <a:spcPct val="110000"/>
-              </a:lnSpc>
-              <a:buClr>
-                <a:srgbClr val="009AD1"/>
-              </a:buClr>
-              <a:tabLst>
-                <a:tab pos="0" algn="l"/>
-              </a:tabLst>
-            </a:pPr>
+              <a:t>if</a:t>
+            </a:r>
             <a:r>
               <a:rPr lang="de-DE" sz="1600" b="1" dirty="0">
                 <a:solidFill>
@@ -6050,7 +5565,7 @@
                 <a:latin typeface="Courier New" panose="02070309020205020404" pitchFamily="49" charset="0"/>
                 <a:cs typeface="Courier New" panose="02070309020205020404" pitchFamily="49" charset="0"/>
               </a:rPr>
-              <a:t>	</a:t>
+              <a:t> </a:t>
             </a:r>
             <a:r>
               <a:rPr lang="de-DE" sz="1600" b="1" dirty="0" err="1">
@@ -6060,7 +5575,7 @@
                 <a:latin typeface="Courier New" panose="02070309020205020404" pitchFamily="49" charset="0"/>
                 <a:cs typeface="Courier New" panose="02070309020205020404" pitchFamily="49" charset="0"/>
               </a:rPr>
-              <a:t>for</a:t>
+              <a:t>elif</a:t>
             </a:r>
             <a:r>
               <a:rPr lang="de-DE" sz="1600" b="1" dirty="0">
@@ -6074,321 +5589,21 @@
             </a:r>
             <a:r>
               <a:rPr lang="de-DE" sz="1600" b="1" dirty="0" err="1">
+                <a:solidFill>
+                  <a:srgbClr val="0033B3"/>
+                </a:solidFill>
                 <a:latin typeface="Courier New" panose="02070309020205020404" pitchFamily="49" charset="0"/>
                 <a:cs typeface="Courier New" panose="02070309020205020404" pitchFamily="49" charset="0"/>
               </a:rPr>
-              <a:t>element</a:t>
-            </a:r>
-            <a:r>
-              <a:rPr lang="de-DE" sz="1600" b="1" dirty="0">
-                <a:latin typeface="Courier New" panose="02070309020205020404" pitchFamily="49" charset="0"/>
-                <a:cs typeface="Courier New" panose="02070309020205020404" pitchFamily="49" charset="0"/>
-              </a:rPr>
-              <a:t> </a:t>
-            </a:r>
-            <a:r>
-              <a:rPr lang="de-DE" sz="1600" b="1" dirty="0">
-                <a:solidFill>
-                  <a:srgbClr val="0033B3"/>
-                </a:solidFill>
-                <a:latin typeface="Courier New" panose="02070309020205020404" pitchFamily="49" charset="0"/>
-                <a:cs typeface="Courier New" panose="02070309020205020404" pitchFamily="49" charset="0"/>
-              </a:rPr>
-              <a:t>in </a:t>
-            </a:r>
-            <a:r>
-              <a:rPr lang="de-DE" sz="1600" b="1" dirty="0" err="1">
-                <a:latin typeface="Courier New" panose="02070309020205020404" pitchFamily="49" charset="0"/>
-                <a:cs typeface="Courier New" panose="02070309020205020404" pitchFamily="49" charset="0"/>
-              </a:rPr>
-              <a:t>my_sequence</a:t>
-            </a:r>
-            <a:r>
-              <a:rPr lang="de-DE" sz="1600" b="1" dirty="0">
-                <a:latin typeface="Courier New" panose="02070309020205020404" pitchFamily="49" charset="0"/>
-                <a:cs typeface="Courier New" panose="02070309020205020404" pitchFamily="49" charset="0"/>
-              </a:rPr>
-              <a:t>:</a:t>
-            </a:r>
-          </a:p>
-          <a:p>
-            <a:pPr marL="720" lvl="2">
-              <a:lnSpc>
-                <a:spcPct val="110000"/>
-              </a:lnSpc>
-              <a:buClr>
-                <a:srgbClr val="009AD1"/>
-              </a:buClr>
-              <a:tabLst>
-                <a:tab pos="0" algn="l"/>
-              </a:tabLst>
-            </a:pPr>
-            <a:r>
-              <a:rPr lang="de-DE" sz="1600" b="1" spc="-1" dirty="0">
-                <a:solidFill>
-                  <a:srgbClr val="0033B3"/>
-                </a:solidFill>
-                <a:latin typeface="Courier New" panose="02070309020205020404" pitchFamily="49" charset="0"/>
-                <a:cs typeface="Courier New" panose="02070309020205020404" pitchFamily="49" charset="0"/>
-              </a:rPr>
-              <a:t>		</a:t>
-            </a:r>
-            <a:r>
-              <a:rPr lang="de-DE" sz="1600" b="1" spc="-1" dirty="0">
-                <a:latin typeface="Courier New" panose="02070309020205020404" pitchFamily="49" charset="0"/>
-                <a:cs typeface="Courier New" panose="02070309020205020404" pitchFamily="49" charset="0"/>
-              </a:rPr>
-              <a:t>my_statements_1</a:t>
-            </a:r>
-          </a:p>
-          <a:p>
-            <a:pPr marL="720" lvl="2">
-              <a:lnSpc>
-                <a:spcPct val="110000"/>
-              </a:lnSpc>
-              <a:buClr>
-                <a:srgbClr val="009AD1"/>
-              </a:buClr>
-              <a:tabLst>
-                <a:tab pos="0" algn="l"/>
-              </a:tabLst>
-            </a:pPr>
-            <a:r>
-              <a:rPr lang="de-DE" sz="1600" b="1" spc="-1" dirty="0">
-                <a:solidFill>
-                  <a:srgbClr val="0033B3"/>
-                </a:solidFill>
-                <a:latin typeface="Courier New" panose="02070309020205020404" pitchFamily="49" charset="0"/>
-                <a:cs typeface="Courier New" panose="02070309020205020404" pitchFamily="49" charset="0"/>
-              </a:rPr>
-              <a:t>		</a:t>
-            </a:r>
-            <a:r>
-              <a:rPr lang="de-DE" sz="1600" b="1" spc="-1" dirty="0">
-                <a:latin typeface="Courier New" panose="02070309020205020404" pitchFamily="49" charset="0"/>
-                <a:cs typeface="Courier New" panose="02070309020205020404" pitchFamily="49" charset="0"/>
-              </a:rPr>
-              <a:t>my_statements_2</a:t>
-            </a:r>
-          </a:p>
-          <a:p>
-            <a:pPr marL="720" lvl="2">
-              <a:lnSpc>
-                <a:spcPct val="110000"/>
-              </a:lnSpc>
-              <a:buClr>
-                <a:srgbClr val="009AD1"/>
-              </a:buClr>
-              <a:tabLst>
-                <a:tab pos="0" algn="l"/>
-              </a:tabLst>
-            </a:pPr>
-            <a:r>
-              <a:rPr lang="de-DE" sz="1600" b="1" spc="-1" dirty="0">
-                <a:latin typeface="Courier New" panose="02070309020205020404" pitchFamily="49" charset="0"/>
-                <a:cs typeface="Courier New" panose="02070309020205020404" pitchFamily="49" charset="0"/>
-              </a:rPr>
-              <a:t>		…</a:t>
-            </a:r>
-          </a:p>
-          <a:p>
-            <a:pPr marL="720" lvl="2">
-              <a:lnSpc>
-                <a:spcPct val="110000"/>
-              </a:lnSpc>
-              <a:buClr>
-                <a:srgbClr val="009AD1"/>
-              </a:buClr>
-              <a:tabLst>
-                <a:tab pos="0" algn="l"/>
-              </a:tabLst>
-            </a:pPr>
-            <a:r>
-              <a:rPr lang="de-DE" sz="1600" b="1" spc="-1" dirty="0">
-                <a:latin typeface="Courier New" panose="02070309020205020404" pitchFamily="49" charset="0"/>
-                <a:cs typeface="Courier New" panose="02070309020205020404" pitchFamily="49" charset="0"/>
-              </a:rPr>
-              <a:t>		</a:t>
-            </a:r>
-          </a:p>
-          <a:p>
-            <a:pPr>
-              <a:lnSpc>
-                <a:spcPct val="110000"/>
-              </a:lnSpc>
-              <a:tabLst>
-                <a:tab pos="0" algn="l"/>
-              </a:tabLst>
-            </a:pPr>
-            <a:r>
-              <a:rPr lang="de-DE" sz="1600" spc="-1" dirty="0"/>
-              <a:t>Iteration </a:t>
-            </a:r>
-            <a:r>
-              <a:rPr lang="de-DE" sz="1600" spc="-1" dirty="0" err="1"/>
-              <a:t>using</a:t>
-            </a:r>
-            <a:r>
-              <a:rPr lang="de-DE" sz="1600" spc="-1" dirty="0"/>
-              <a:t> </a:t>
-            </a:r>
-            <a:r>
-              <a:rPr lang="de-DE" sz="1600" b="1" dirty="0" err="1">
-                <a:solidFill>
-                  <a:srgbClr val="0033B3"/>
-                </a:solidFill>
-                <a:latin typeface="Courier New" panose="02070309020205020404" pitchFamily="49" charset="0"/>
-                <a:cs typeface="Courier New" panose="02070309020205020404" pitchFamily="49" charset="0"/>
-              </a:rPr>
-              <a:t>while</a:t>
-            </a:r>
-            <a:r>
-              <a:rPr lang="en-US" sz="1600" spc="-1" dirty="0"/>
-              <a:t>:</a:t>
-            </a:r>
-            <a:endParaRPr lang="de-DE" sz="1600" dirty="0">
-              <a:solidFill>
-                <a:srgbClr val="0033B3"/>
-              </a:solidFill>
-              <a:latin typeface="Courier New" panose="02070309020205020404" pitchFamily="49" charset="0"/>
-              <a:cs typeface="Courier New" panose="02070309020205020404" pitchFamily="49" charset="0"/>
-            </a:endParaRPr>
-          </a:p>
-          <a:p>
-            <a:pPr marL="720" lvl="2">
-              <a:lnSpc>
-                <a:spcPct val="110000"/>
-              </a:lnSpc>
-              <a:buClr>
-                <a:srgbClr val="009AD1"/>
-              </a:buClr>
-              <a:tabLst>
-                <a:tab pos="0" algn="l"/>
-              </a:tabLst>
-            </a:pPr>
-            <a:r>
-              <a:rPr lang="de-DE" sz="1600" b="1" dirty="0">
-                <a:solidFill>
-                  <a:srgbClr val="0033B3"/>
-                </a:solidFill>
-                <a:latin typeface="Courier New" panose="02070309020205020404" pitchFamily="49" charset="0"/>
-                <a:cs typeface="Courier New" panose="02070309020205020404" pitchFamily="49" charset="0"/>
-              </a:rPr>
-              <a:t>	</a:t>
-            </a:r>
-            <a:r>
-              <a:rPr lang="de-DE" sz="1600" b="1" dirty="0" err="1">
-                <a:solidFill>
-                  <a:srgbClr val="0033B3"/>
-                </a:solidFill>
-                <a:latin typeface="Courier New" panose="02070309020205020404" pitchFamily="49" charset="0"/>
-                <a:cs typeface="Courier New" panose="02070309020205020404" pitchFamily="49" charset="0"/>
-              </a:rPr>
-              <a:t>while</a:t>
-            </a:r>
-            <a:r>
-              <a:rPr lang="de-DE" sz="1600" b="1" dirty="0">
-                <a:solidFill>
-                  <a:srgbClr val="0033B3"/>
-                </a:solidFill>
-                <a:latin typeface="Courier New" panose="02070309020205020404" pitchFamily="49" charset="0"/>
-                <a:cs typeface="Courier New" panose="02070309020205020404" pitchFamily="49" charset="0"/>
-              </a:rPr>
-              <a:t> </a:t>
-            </a:r>
-            <a:r>
-              <a:rPr lang="de-DE" sz="1600" b="1" dirty="0" err="1">
-                <a:latin typeface="Courier New" panose="02070309020205020404" pitchFamily="49" charset="0"/>
-                <a:cs typeface="Courier New" panose="02070309020205020404" pitchFamily="49" charset="0"/>
-              </a:rPr>
-              <a:t>my_condition</a:t>
-            </a:r>
-            <a:r>
-              <a:rPr lang="de-DE" sz="1600" b="1" dirty="0">
-                <a:latin typeface="Courier New" panose="02070309020205020404" pitchFamily="49" charset="0"/>
-                <a:cs typeface="Courier New" panose="02070309020205020404" pitchFamily="49" charset="0"/>
-              </a:rPr>
-              <a:t>:</a:t>
-            </a:r>
-          </a:p>
-          <a:p>
-            <a:pPr marL="720" lvl="2">
-              <a:lnSpc>
-                <a:spcPct val="110000"/>
-              </a:lnSpc>
-              <a:buClr>
-                <a:srgbClr val="009AD1"/>
-              </a:buClr>
-              <a:tabLst>
-                <a:tab pos="0" algn="l"/>
-              </a:tabLst>
-            </a:pPr>
-            <a:r>
-              <a:rPr lang="de-DE" sz="1600" b="1" spc="-1" dirty="0">
-                <a:solidFill>
-                  <a:srgbClr val="0033B3"/>
-                </a:solidFill>
-                <a:latin typeface="Courier New" panose="02070309020205020404" pitchFamily="49" charset="0"/>
-                <a:cs typeface="Courier New" panose="02070309020205020404" pitchFamily="49" charset="0"/>
-              </a:rPr>
-              <a:t>		</a:t>
-            </a:r>
-            <a:r>
-              <a:rPr lang="de-DE" sz="1600" b="1" spc="-1" dirty="0">
-                <a:latin typeface="Courier New" panose="02070309020205020404" pitchFamily="49" charset="0"/>
-                <a:cs typeface="Courier New" panose="02070309020205020404" pitchFamily="49" charset="0"/>
-              </a:rPr>
-              <a:t>my_statements_1</a:t>
-            </a:r>
-          </a:p>
-          <a:p>
-            <a:pPr marL="720" lvl="2">
-              <a:lnSpc>
-                <a:spcPct val="110000"/>
-              </a:lnSpc>
-              <a:buClr>
-                <a:srgbClr val="009AD1"/>
-              </a:buClr>
-              <a:tabLst>
-                <a:tab pos="0" algn="l"/>
-              </a:tabLst>
-            </a:pPr>
-            <a:r>
-              <a:rPr lang="de-DE" sz="1600" b="1" spc="-1" dirty="0">
-                <a:solidFill>
-                  <a:srgbClr val="0033B3"/>
-                </a:solidFill>
-                <a:latin typeface="Courier New" panose="02070309020205020404" pitchFamily="49" charset="0"/>
-                <a:cs typeface="Courier New" panose="02070309020205020404" pitchFamily="49" charset="0"/>
-              </a:rPr>
-              <a:t>		</a:t>
-            </a:r>
-            <a:r>
-              <a:rPr lang="de-DE" sz="1600" b="1" spc="-1" dirty="0">
-                <a:latin typeface="Courier New" panose="02070309020205020404" pitchFamily="49" charset="0"/>
-                <a:cs typeface="Courier New" panose="02070309020205020404" pitchFamily="49" charset="0"/>
-              </a:rPr>
-              <a:t>my_statements_2</a:t>
-            </a:r>
-          </a:p>
-          <a:p>
-            <a:pPr marL="720" lvl="2">
-              <a:lnSpc>
-                <a:spcPct val="110000"/>
-              </a:lnSpc>
-              <a:buClr>
-                <a:srgbClr val="009AD1"/>
-              </a:buClr>
-              <a:tabLst>
-                <a:tab pos="0" algn="l"/>
-              </a:tabLst>
-            </a:pPr>
-            <a:r>
-              <a:rPr lang="de-DE" sz="1600" b="1" spc="-1" dirty="0">
-                <a:latin typeface="Courier New" panose="02070309020205020404" pitchFamily="49" charset="0"/>
-                <a:cs typeface="Courier New" panose="02070309020205020404" pitchFamily="49" charset="0"/>
-              </a:rPr>
-              <a:t>		…</a:t>
+              <a:t>else</a:t>
+            </a:r>
+            <a:r>
+              <a:rPr lang="en-US" sz="1600" spc="-1" dirty="0">
+                <a:solidFill>
+                  <a:srgbClr val="000000"/>
+                </a:solidFill>
+              </a:rPr>
+              <a:t>: </a:t>
             </a:r>
           </a:p>
           <a:p>
@@ -6405,50 +5620,13 @@
                 <a:tab pos="0" algn="l"/>
               </a:tabLst>
             </a:pPr>
-            <a:r>
-              <a:rPr lang="en-US" sz="1600" spc="-1" dirty="0">
-                <a:solidFill>
-                  <a:srgbClr val="000000"/>
-                </a:solidFill>
-              </a:rPr>
-              <a:t>Technically, anything you can do with </a:t>
-            </a:r>
-            <a:r>
-              <a:rPr lang="de-DE" sz="1600" b="1" dirty="0" err="1">
-                <a:solidFill>
-                  <a:srgbClr val="0033B3"/>
-                </a:solidFill>
-                <a:latin typeface="Courier New" panose="02070309020205020404" pitchFamily="49" charset="0"/>
-                <a:cs typeface="Courier New" panose="02070309020205020404" pitchFamily="49" charset="0"/>
-              </a:rPr>
-              <a:t>for</a:t>
-            </a:r>
-            <a:r>
-              <a:rPr lang="en-US" sz="1600" spc="-1" dirty="0">
-                <a:solidFill>
-                  <a:srgbClr val="000000"/>
-                </a:solidFill>
-              </a:rPr>
-              <a:t>, you can do with </a:t>
-            </a:r>
-            <a:r>
-              <a:rPr lang="de-DE" sz="1600" b="1" dirty="0" err="1">
-                <a:solidFill>
-                  <a:srgbClr val="0033B3"/>
-                </a:solidFill>
-                <a:latin typeface="Courier New" panose="02070309020205020404" pitchFamily="49" charset="0"/>
-                <a:cs typeface="Courier New" panose="02070309020205020404" pitchFamily="49" charset="0"/>
-              </a:rPr>
-              <a:t>while</a:t>
-            </a:r>
-            <a:r>
-              <a:rPr lang="en-US" sz="1600" spc="-1" dirty="0">
-                <a:solidFill>
-                  <a:srgbClr val="000000"/>
-                </a:solidFill>
-              </a:rPr>
-              <a:t>. </a:t>
-            </a:r>
+            <a:endParaRPr lang="en-US" sz="1600" b="1" spc="-1" dirty="0">
+              <a:solidFill>
+                <a:srgbClr val="000000"/>
+              </a:solidFill>
+              <a:latin typeface="Courier New" panose="02070309020205020404" pitchFamily="49" charset="0"/>
+              <a:cs typeface="Courier New" panose="02070309020205020404" pitchFamily="49" charset="0"/>
+            </a:endParaRPr>
           </a:p>
           <a:p>
             <a:pPr marL="720" lvl="2">
@@ -6462,11 +5640,50 @@
                 <a:tab pos="0" algn="l"/>
               </a:tabLst>
             </a:pPr>
-            <a:endParaRPr lang="de-DE" sz="1600" b="1" spc="-1" dirty="0">
-              <a:solidFill>
-                <a:schemeClr val="accent1"/>
-              </a:solidFill>
-            </a:endParaRPr>
+            <a:r>
+              <a:rPr lang="de-DE" sz="1600" b="1" dirty="0">
+                <a:solidFill>
+                  <a:srgbClr val="0033B3"/>
+                </a:solidFill>
+                <a:latin typeface="Courier New" panose="02070309020205020404" pitchFamily="49" charset="0"/>
+                <a:cs typeface="Courier New" panose="02070309020205020404" pitchFamily="49" charset="0"/>
+              </a:rPr>
+              <a:t>	</a:t>
+            </a:r>
+            <a:r>
+              <a:rPr lang="de-DE" sz="1600" b="1" dirty="0" err="1">
+                <a:solidFill>
+                  <a:srgbClr val="0033B3"/>
+                </a:solidFill>
+                <a:latin typeface="Courier New" panose="02070309020205020404" pitchFamily="49" charset="0"/>
+                <a:cs typeface="Courier New" panose="02070309020205020404" pitchFamily="49" charset="0"/>
+              </a:rPr>
+              <a:t>if</a:t>
+            </a:r>
+            <a:r>
+              <a:rPr lang="de-DE" sz="1600" b="1" dirty="0">
+                <a:solidFill>
+                  <a:srgbClr val="0033B3"/>
+                </a:solidFill>
+                <a:latin typeface="Courier New" panose="02070309020205020404" pitchFamily="49" charset="0"/>
+                <a:cs typeface="Courier New" panose="02070309020205020404" pitchFamily="49" charset="0"/>
+              </a:rPr>
+              <a:t> </a:t>
+            </a:r>
+            <a:r>
+              <a:rPr lang="de-DE" sz="1600" b="1" dirty="0" err="1">
+                <a:latin typeface="Courier New" panose="02070309020205020404" pitchFamily="49" charset="0"/>
+                <a:cs typeface="Courier New" panose="02070309020205020404" pitchFamily="49" charset="0"/>
+              </a:rPr>
+              <a:t>clause</a:t>
+            </a:r>
+            <a:r>
+              <a:rPr lang="de-DE" sz="1600" b="1" dirty="0">
+                <a:latin typeface="Courier New" panose="02070309020205020404" pitchFamily="49" charset="0"/>
+                <a:cs typeface="Courier New" panose="02070309020205020404" pitchFamily="49" charset="0"/>
+              </a:rPr>
+              <a:t>:</a:t>
+            </a:r>
           </a:p>
           <a:p>
             <a:pPr marL="720" lvl="2">
@@ -6482,46 +5699,11 @@
             </a:pPr>
             <a:r>
               <a:rPr lang="de-DE" sz="1600" b="1" spc="-1" dirty="0">
-                <a:solidFill>
-                  <a:schemeClr val="accent1"/>
-                </a:solidFill>
-              </a:rPr>
-              <a:t>Demo</a:t>
-            </a:r>
-            <a:r>
-              <a:rPr lang="en-US" sz="1600" b="1" spc="-1" dirty="0">
-                <a:solidFill>
-                  <a:schemeClr val="accent1"/>
-                </a:solidFill>
-              </a:rPr>
-              <a:t>: </a:t>
-            </a:r>
-            <a:r>
-              <a:rPr lang="de-DE" sz="1600" dirty="0" err="1">
                 <a:latin typeface="Courier New" panose="02070309020205020404" pitchFamily="49" charset="0"/>
                 <a:cs typeface="Courier New" panose="02070309020205020404" pitchFamily="49" charset="0"/>
               </a:rPr>
-              <a:t>control_structures.ipynb</a:t>
-            </a:r>
-            <a:r>
-              <a:rPr lang="de-DE" sz="1600" dirty="0">
-                <a:latin typeface="Courier New" panose="02070309020205020404" pitchFamily="49" charset="0"/>
-                <a:cs typeface="Courier New" panose="02070309020205020404" pitchFamily="49" charset="0"/>
-              </a:rPr>
-              <a:t> </a:t>
-            </a:r>
-            <a:r>
-              <a:rPr lang="en-US" sz="1600" spc="-1" dirty="0">
-                <a:solidFill>
-                  <a:srgbClr val="000000"/>
-                </a:solidFill>
-              </a:rPr>
-              <a:t>(Section 2-3)</a:t>
-            </a:r>
-            <a:endParaRPr lang="de-DE" sz="1600" b="1" spc="-1" dirty="0">
-              <a:latin typeface="Courier New" panose="02070309020205020404" pitchFamily="49" charset="0"/>
-              <a:cs typeface="Courier New" panose="02070309020205020404" pitchFamily="49" charset="0"/>
-            </a:endParaRPr>
+              <a:t>		my_statements_1</a:t>
+            </a:r>
           </a:p>
           <a:p>
             <a:pPr marL="720" lvl="2">
@@ -6535,11 +5717,23 @@
                 <a:tab pos="0" algn="l"/>
               </a:tabLst>
             </a:pPr>
-            <a:endParaRPr lang="en-US" sz="1600" spc="-1" dirty="0">
-              <a:solidFill>
-                <a:srgbClr val="000000"/>
-              </a:solidFill>
-            </a:endParaRPr>
+            <a:r>
+              <a:rPr lang="de-DE" sz="1600" b="1" spc="-1" dirty="0">
+                <a:solidFill>
+                  <a:srgbClr val="0033B3"/>
+                </a:solidFill>
+                <a:latin typeface="Courier New" panose="02070309020205020404" pitchFamily="49" charset="0"/>
+                <a:cs typeface="Courier New" panose="02070309020205020404" pitchFamily="49" charset="0"/>
+              </a:rPr>
+              <a:t>		</a:t>
+            </a:r>
+            <a:r>
+              <a:rPr lang="de-DE" sz="1600" b="1" spc="-1" dirty="0">
+                <a:latin typeface="Courier New" panose="02070309020205020404" pitchFamily="49" charset="0"/>
+                <a:cs typeface="Courier New" panose="02070309020205020404" pitchFamily="49" charset="0"/>
+              </a:rPr>
+              <a:t>my_statements_2</a:t>
+            </a:r>
           </a:p>
           <a:p>
             <a:pPr marL="720" lvl="2">
@@ -6553,32 +5747,209 @@
                 <a:tab pos="0" algn="l"/>
               </a:tabLst>
             </a:pPr>
-            <a:endParaRPr lang="en-US" sz="1600" spc="-1" dirty="0">
-              <a:solidFill>
-                <a:srgbClr val="000000"/>
-              </a:solidFill>
-            </a:endParaRPr>
-          </a:p>
-          <a:p>
-            <a:pPr>
+            <a:endParaRPr lang="de-DE" sz="1600" b="1" spc="-1" dirty="0">
+              <a:latin typeface="Courier New" panose="02070309020205020404" pitchFamily="49" charset="0"/>
+              <a:cs typeface="Courier New" panose="02070309020205020404" pitchFamily="49" charset="0"/>
+            </a:endParaRPr>
+          </a:p>
+          <a:p>
+            <a:pPr marL="720" lvl="2">
               <a:lnSpc>
                 <a:spcPct val="110000"/>
               </a:lnSpc>
+              <a:buClr>
+                <a:srgbClr val="009AD1"/>
+              </a:buClr>
               <a:tabLst>
                 <a:tab pos="0" algn="l"/>
               </a:tabLst>
             </a:pPr>
-            <a:endParaRPr lang="en-US" sz="1600" spc="-1" dirty="0">
-              <a:solidFill>
-                <a:srgbClr val="000000"/>
-              </a:solidFill>
-            </a:endParaRPr>
-          </a:p>
-          <a:p>
-            <a:pPr>
+            <a:endParaRPr lang="de-DE" sz="1600" b="1" spc="-1" dirty="0">
+              <a:latin typeface="Courier New" panose="02070309020205020404" pitchFamily="49" charset="0"/>
+              <a:cs typeface="Courier New" panose="02070309020205020404" pitchFamily="49" charset="0"/>
+            </a:endParaRPr>
+          </a:p>
+          <a:p>
+            <a:pPr marL="324000" lvl="2" indent="-323280">
               <a:lnSpc>
                 <a:spcPct val="110000"/>
               </a:lnSpc>
+              <a:buClr>
+                <a:srgbClr val="009AD1"/>
+              </a:buClr>
+              <a:buFont typeface="Arial"/>
+              <a:buChar char="−"/>
+              <a:tabLst>
+                <a:tab pos="0" algn="l"/>
+              </a:tabLst>
+            </a:pPr>
+            <a:r>
+              <a:rPr lang="de-DE" sz="1600" b="1" dirty="0" err="1">
+                <a:solidFill>
+                  <a:srgbClr val="0033B3"/>
+                </a:solidFill>
+                <a:latin typeface="Courier New" panose="02070309020205020404" pitchFamily="49" charset="0"/>
+                <a:cs typeface="Courier New" panose="02070309020205020404" pitchFamily="49" charset="0"/>
+              </a:rPr>
+              <a:t>if</a:t>
+            </a:r>
+            <a:r>
+              <a:rPr lang="en-US" sz="1600" spc="-1" dirty="0">
+                <a:solidFill>
+                  <a:srgbClr val="000000"/>
+                </a:solidFill>
+              </a:rPr>
+              <a:t> can be augmented with</a:t>
+            </a:r>
+            <a:r>
+              <a:rPr lang="de-DE" sz="1600" b="1" spc="-1" dirty="0">
+                <a:solidFill>
+                  <a:srgbClr val="0033B3"/>
+                </a:solidFill>
+                <a:latin typeface="Courier New" panose="02070309020205020404" pitchFamily="49" charset="0"/>
+                <a:cs typeface="Courier New" panose="02070309020205020404" pitchFamily="49" charset="0"/>
+              </a:rPr>
+              <a:t> </a:t>
+            </a:r>
+            <a:r>
+              <a:rPr lang="de-DE" sz="1600" b="1" dirty="0" err="1">
+                <a:solidFill>
+                  <a:srgbClr val="0033B3"/>
+                </a:solidFill>
+                <a:latin typeface="Courier New" panose="02070309020205020404" pitchFamily="49" charset="0"/>
+                <a:cs typeface="Courier New" panose="02070309020205020404" pitchFamily="49" charset="0"/>
+              </a:rPr>
+              <a:t>elif</a:t>
+            </a:r>
+            <a:r>
+              <a:rPr lang="de-DE" sz="1600" b="1" dirty="0">
+                <a:solidFill>
+                  <a:srgbClr val="0033B3"/>
+                </a:solidFill>
+                <a:latin typeface="Courier New" panose="02070309020205020404" pitchFamily="49" charset="0"/>
+                <a:cs typeface="Courier New" panose="02070309020205020404" pitchFamily="49" charset="0"/>
+              </a:rPr>
+              <a:t> </a:t>
+            </a:r>
+            <a:r>
+              <a:rPr lang="en-US" sz="1600" spc="-1" dirty="0">
+                <a:solidFill>
+                  <a:srgbClr val="000000"/>
+                </a:solidFill>
+              </a:rPr>
+              <a:t>and</a:t>
+            </a:r>
+            <a:r>
+              <a:rPr lang="de-DE" sz="1600" b="1" dirty="0">
+                <a:solidFill>
+                  <a:srgbClr val="0033B3"/>
+                </a:solidFill>
+                <a:latin typeface="Courier New" panose="02070309020205020404" pitchFamily="49" charset="0"/>
+                <a:cs typeface="Courier New" panose="02070309020205020404" pitchFamily="49" charset="0"/>
+              </a:rPr>
+              <a:t> </a:t>
+            </a:r>
+            <a:r>
+              <a:rPr lang="de-DE" sz="1600" b="1" dirty="0" err="1">
+                <a:solidFill>
+                  <a:srgbClr val="0033B3"/>
+                </a:solidFill>
+                <a:latin typeface="Courier New" panose="02070309020205020404" pitchFamily="49" charset="0"/>
+                <a:cs typeface="Courier New" panose="02070309020205020404" pitchFamily="49" charset="0"/>
+              </a:rPr>
+              <a:t>else</a:t>
+            </a:r>
+            <a:r>
+              <a:rPr lang="en-US" sz="1600" spc="-1" dirty="0">
+                <a:solidFill>
+                  <a:srgbClr val="000000"/>
+                </a:solidFill>
+              </a:rPr>
+              <a:t> </a:t>
+            </a:r>
+          </a:p>
+          <a:p>
+            <a:pPr marL="720" lvl="2">
+              <a:lnSpc>
+                <a:spcPct val="110000"/>
+              </a:lnSpc>
+              <a:buClr>
+                <a:srgbClr val="009AD1"/>
+              </a:buClr>
+              <a:tabLst>
+                <a:tab pos="0" algn="l"/>
+              </a:tabLst>
+            </a:pPr>
+            <a:endParaRPr lang="de-DE" sz="1600" b="1" spc="-1" dirty="0">
+              <a:latin typeface="Courier New" panose="02070309020205020404" pitchFamily="49" charset="0"/>
+              <a:cs typeface="Courier New" panose="02070309020205020404" pitchFamily="49" charset="0"/>
+            </a:endParaRPr>
+          </a:p>
+          <a:p>
+            <a:pPr marL="720" lvl="2">
+              <a:lnSpc>
+                <a:spcPct val="110000"/>
+              </a:lnSpc>
+              <a:buClr>
+                <a:srgbClr val="009AD1"/>
+              </a:buClr>
+              <a:tabLst>
+                <a:tab pos="0" algn="l"/>
+              </a:tabLst>
+            </a:pPr>
+            <a:r>
+              <a:rPr lang="de-DE" sz="1600" b="1" spc="-1" dirty="0">
+                <a:solidFill>
+                  <a:schemeClr val="accent1"/>
+                </a:solidFill>
+              </a:rPr>
+              <a:t>Demo</a:t>
+            </a:r>
+            <a:r>
+              <a:rPr lang="en-US" sz="1600" b="1" spc="-1" dirty="0">
+                <a:solidFill>
+                  <a:schemeClr val="accent1"/>
+                </a:solidFill>
+              </a:rPr>
+              <a:t>: </a:t>
+            </a:r>
+            <a:r>
+              <a:rPr lang="de-DE" sz="1600" dirty="0" err="1">
+                <a:latin typeface="Courier New" panose="02070309020205020404" pitchFamily="49" charset="0"/>
+                <a:cs typeface="Courier New" panose="02070309020205020404" pitchFamily="49" charset="0"/>
+              </a:rPr>
+              <a:t>control_structures.ipynb</a:t>
+            </a:r>
+            <a:r>
+              <a:rPr lang="de-DE" sz="1600" dirty="0">
+                <a:latin typeface="Courier New" panose="02070309020205020404" pitchFamily="49" charset="0"/>
+                <a:cs typeface="Courier New" panose="02070309020205020404" pitchFamily="49" charset="0"/>
+              </a:rPr>
+              <a:t> </a:t>
+            </a:r>
+            <a:r>
+              <a:rPr lang="en-US" sz="1600" spc="-1" dirty="0">
+                <a:solidFill>
+                  <a:srgbClr val="000000"/>
+                </a:solidFill>
+              </a:rPr>
+              <a:t>(Section 1)</a:t>
+            </a:r>
+            <a:endParaRPr lang="de-DE" sz="1600" b="1" spc="-1" dirty="0">
+              <a:latin typeface="Courier New" panose="02070309020205020404" pitchFamily="49" charset="0"/>
+              <a:cs typeface="Courier New" panose="02070309020205020404" pitchFamily="49" charset="0"/>
+            </a:endParaRPr>
+          </a:p>
+          <a:p>
+            <a:pPr marL="324000" lvl="2" indent="-323280">
+              <a:lnSpc>
+                <a:spcPct val="110000"/>
+              </a:lnSpc>
+              <a:buClr>
+                <a:srgbClr val="009AD1"/>
+              </a:buClr>
+              <a:buFont typeface="Arial"/>
+              <a:buChar char="−"/>
               <a:tabLst>
                 <a:tab pos="0" algn="l"/>
               </a:tabLst>
@@ -6587,14 +5958,198 @@
               <a:solidFill>
                 <a:srgbClr val="000000"/>
               </a:solidFill>
-            </a:endParaRPr>
+              <a:latin typeface="Courier New" panose="02070309020205020404" pitchFamily="49" charset="0"/>
+              <a:cs typeface="Courier New" panose="02070309020205020404" pitchFamily="49" charset="0"/>
+            </a:endParaRPr>
+          </a:p>
+        </p:txBody>
+      </p:sp>
+      <p:sp>
+        <p:nvSpPr>
+          <p:cNvPr id="5" name="Rechteck 4">
+            <a:extLst>
+              <a:ext uri="{FF2B5EF4-FFF2-40B4-BE49-F238E27FC236}">
+                <a16:creationId xmlns:a16="http://schemas.microsoft.com/office/drawing/2014/main" id="{8F320A9C-E65C-0A48-8D4F-C2A866263C72}"/>
+              </a:ext>
+            </a:extLst>
+          </p:cNvPr>
+          <p:cNvSpPr/>
+          <p:nvPr/>
+        </p:nvSpPr>
+        <p:spPr>
+          <a:xfrm>
+            <a:off x="1544024" y="1799136"/>
+            <a:ext cx="818732" cy="229898"/>
+          </a:xfrm>
+          <a:prstGeom prst="rect">
+            <a:avLst/>
+          </a:prstGeom>
+          <a:noFill/>
+          <a:ln>
+            <a:solidFill>
+              <a:srgbClr val="FF0000"/>
+            </a:solidFill>
+          </a:ln>
+        </p:spPr>
+        <p:style>
+          <a:lnRef idx="2">
+            <a:schemeClr val="accent1">
+              <a:shade val="50000"/>
+            </a:schemeClr>
+          </a:lnRef>
+          <a:fillRef idx="1">
+            <a:schemeClr val="accent1"/>
+          </a:fillRef>
+          <a:effectRef idx="0">
+            <a:schemeClr val="accent1"/>
+          </a:effectRef>
+          <a:fontRef idx="minor">
+            <a:schemeClr val="lt1"/>
+          </a:fontRef>
+        </p:style>
+        <p:txBody>
+          <a:bodyPr rtlCol="0" anchor="ctr"/>
+          <a:lstStyle/>
+          <a:p>
+            <a:pPr algn="ctr"/>
+            <a:endParaRPr lang="en-US"/>
+          </a:p>
+        </p:txBody>
+      </p:sp>
+      <p:sp>
+        <p:nvSpPr>
+          <p:cNvPr id="6" name="Textfeld 5">
+            <a:extLst>
+              <a:ext uri="{FF2B5EF4-FFF2-40B4-BE49-F238E27FC236}">
+                <a16:creationId xmlns:a16="http://schemas.microsoft.com/office/drawing/2014/main" id="{2A12389B-3091-5F4C-B274-81A589C88774}"/>
+              </a:ext>
+            </a:extLst>
+          </p:cNvPr>
+          <p:cNvSpPr txBox="1"/>
+          <p:nvPr/>
+        </p:nvSpPr>
+        <p:spPr>
+          <a:xfrm>
+            <a:off x="2621637" y="1690480"/>
+            <a:ext cx="4226351" cy="338554"/>
+          </a:xfrm>
+          <a:prstGeom prst="rect">
+            <a:avLst/>
+          </a:prstGeom>
+          <a:noFill/>
+        </p:spPr>
+        <p:txBody>
+          <a:bodyPr wrap="square" rtlCol="0">
+            <a:spAutoFit/>
+          </a:bodyPr>
+          <a:lstStyle/>
+          <a:p>
+            <a:r>
+              <a:rPr lang="en-US" sz="1600" dirty="0">
+                <a:solidFill>
+                  <a:srgbClr val="C00000"/>
+                </a:solidFill>
+              </a:rPr>
+              <a:t>check if the clause (condition) is true</a:t>
+            </a:r>
+          </a:p>
+        </p:txBody>
+      </p:sp>
+      <p:sp>
+        <p:nvSpPr>
+          <p:cNvPr id="7" name="Rechteck 6">
+            <a:extLst>
+              <a:ext uri="{FF2B5EF4-FFF2-40B4-BE49-F238E27FC236}">
+                <a16:creationId xmlns:a16="http://schemas.microsoft.com/office/drawing/2014/main" id="{F2E0E5F1-98B0-7C4F-90B3-D289CD69AF8E}"/>
+              </a:ext>
+            </a:extLst>
+          </p:cNvPr>
+          <p:cNvSpPr/>
+          <p:nvPr/>
+        </p:nvSpPr>
+        <p:spPr>
+          <a:xfrm>
+            <a:off x="2079017" y="2074851"/>
+            <a:ext cx="1999074" cy="529319"/>
+          </a:xfrm>
+          <a:prstGeom prst="rect">
+            <a:avLst/>
+          </a:prstGeom>
+          <a:noFill/>
+          <a:ln>
+            <a:solidFill>
+              <a:srgbClr val="00B050"/>
+            </a:solidFill>
+          </a:ln>
+        </p:spPr>
+        <p:style>
+          <a:lnRef idx="2">
+            <a:schemeClr val="accent1">
+              <a:shade val="50000"/>
+            </a:schemeClr>
+          </a:lnRef>
+          <a:fillRef idx="1">
+            <a:schemeClr val="accent1"/>
+          </a:fillRef>
+          <a:effectRef idx="0">
+            <a:schemeClr val="accent1"/>
+          </a:effectRef>
+          <a:fontRef idx="minor">
+            <a:schemeClr val="lt1"/>
+          </a:fontRef>
+        </p:style>
+        <p:txBody>
+          <a:bodyPr rtlCol="0" anchor="ctr"/>
+          <a:lstStyle/>
+          <a:p>
+            <a:pPr algn="ctr"/>
+            <a:endParaRPr lang="en-US"/>
+          </a:p>
+        </p:txBody>
+      </p:sp>
+      <p:sp>
+        <p:nvSpPr>
+          <p:cNvPr id="8" name="Textfeld 7">
+            <a:extLst>
+              <a:ext uri="{FF2B5EF4-FFF2-40B4-BE49-F238E27FC236}">
+                <a16:creationId xmlns:a16="http://schemas.microsoft.com/office/drawing/2014/main" id="{45190F41-403F-9545-B4BA-6A1B18C4B6A2}"/>
+              </a:ext>
+            </a:extLst>
+          </p:cNvPr>
+          <p:cNvSpPr txBox="1"/>
+          <p:nvPr/>
+        </p:nvSpPr>
+        <p:spPr>
+          <a:xfrm>
+            <a:off x="4039145" y="2170233"/>
+            <a:ext cx="5084832" cy="338554"/>
+          </a:xfrm>
+          <a:prstGeom prst="rect">
+            <a:avLst/>
+          </a:prstGeom>
+          <a:noFill/>
+        </p:spPr>
+        <p:txBody>
+          <a:bodyPr wrap="square" rtlCol="0">
+            <a:spAutoFit/>
+          </a:bodyPr>
+          <a:lstStyle/>
+          <a:p>
+            <a:r>
+              <a:rPr lang="en-US" sz="1600" dirty="0">
+                <a:solidFill>
+                  <a:srgbClr val="00B050"/>
+                </a:solidFill>
+              </a:rPr>
+              <a:t>if the clause is true, execute the block of statements</a:t>
+            </a:r>
           </a:p>
         </p:txBody>
       </p:sp>
     </p:spTree>
     <p:extLst>
       <p:ext uri="{BB962C8B-B14F-4D97-AF65-F5344CB8AC3E}">
-        <p14:creationId xmlns:p14="http://schemas.microsoft.com/office/powerpoint/2010/main" val="2422708416"/>
+        <p14:creationId xmlns:p14="http://schemas.microsoft.com/office/powerpoint/2010/main" val="4061304347"/>
       </p:ext>
     </p:extLst>
   </p:cSld>
@@ -6716,7 +6271,7 @@
         </p:nvSpPr>
         <p:spPr>
           <a:xfrm>
-            <a:off x="324000" y="964604"/>
+            <a:off x="324000" y="817770"/>
             <a:ext cx="8495640" cy="3743640"/>
           </a:xfrm>
           <a:prstGeom prst="rect">
@@ -6745,91 +6300,6 @@
           </a:bodyPr>
           <a:lstStyle/>
           <a:p>
-            <a:pPr marL="720" lvl="2">
-              <a:lnSpc>
-                <a:spcPct val="110000"/>
-              </a:lnSpc>
-              <a:buClr>
-                <a:srgbClr val="009AD1"/>
-              </a:buClr>
-              <a:tabLst>
-                <a:tab pos="0" algn="l"/>
-              </a:tabLst>
-            </a:pPr>
-            <a:r>
-              <a:rPr lang="de-DE" sz="1600" b="1" dirty="0">
-                <a:solidFill>
-                  <a:srgbClr val="0033B3"/>
-                </a:solidFill>
-                <a:latin typeface="Courier New" panose="02070309020205020404" pitchFamily="49" charset="0"/>
-                <a:cs typeface="Courier New" panose="02070309020205020404" pitchFamily="49" charset="0"/>
-              </a:rPr>
-              <a:t>break </a:t>
-            </a:r>
-            <a:r>
-              <a:rPr lang="en-US" sz="1600" spc="-1" dirty="0">
-                <a:solidFill>
-                  <a:srgbClr val="000000"/>
-                </a:solidFill>
-              </a:rPr>
-              <a:t>and </a:t>
-            </a:r>
-            <a:r>
-              <a:rPr lang="de-DE" sz="1600" b="1" dirty="0" err="1">
-                <a:solidFill>
-                  <a:srgbClr val="0033B3"/>
-                </a:solidFill>
-                <a:latin typeface="Courier New" panose="02070309020205020404" pitchFamily="49" charset="0"/>
-                <a:cs typeface="Courier New" panose="02070309020205020404" pitchFamily="49" charset="0"/>
-              </a:rPr>
-              <a:t>continue</a:t>
-            </a:r>
-            <a:r>
-              <a:rPr lang="en-US" sz="1600" spc="-1" dirty="0">
-                <a:solidFill>
-                  <a:srgbClr val="000000"/>
-                </a:solidFill>
-              </a:rPr>
-              <a:t>: Statements used for finer control of loops.</a:t>
-            </a:r>
-          </a:p>
-          <a:p>
-            <a:pPr marL="720" lvl="2">
-              <a:lnSpc>
-                <a:spcPct val="110000"/>
-              </a:lnSpc>
-              <a:buClr>
-                <a:srgbClr val="009AD1"/>
-              </a:buClr>
-              <a:tabLst>
-                <a:tab pos="0" algn="l"/>
-              </a:tabLst>
-            </a:pPr>
-            <a:endParaRPr lang="en-US" sz="1600" spc="-1" dirty="0">
-              <a:solidFill>
-                <a:srgbClr val="000000"/>
-              </a:solidFill>
-            </a:endParaRPr>
-          </a:p>
-          <a:p>
-            <a:pPr marL="720" lvl="2">
-              <a:lnSpc>
-                <a:spcPct val="110000"/>
-              </a:lnSpc>
-              <a:buClr>
-                <a:srgbClr val="009AD1"/>
-              </a:buClr>
-              <a:tabLst>
-                <a:tab pos="0" algn="l"/>
-              </a:tabLst>
-            </a:pPr>
-            <a:endParaRPr lang="en-US" sz="1600" spc="-1" dirty="0">
-              <a:solidFill>
-                <a:srgbClr val="000000"/>
-              </a:solidFill>
-            </a:endParaRPr>
-          </a:p>
-          <a:p>
             <a:pPr marL="324000" lvl="2" indent="-323280">
               <a:lnSpc>
                 <a:spcPct val="110000"/>
@@ -6844,22 +6314,450 @@
               </a:tabLst>
             </a:pPr>
             <a:r>
-              <a:rPr lang="de-DE" sz="1600" b="1" dirty="0">
+              <a:rPr lang="en-US" sz="1600" spc="-1" dirty="0">
+                <a:solidFill>
+                  <a:srgbClr val="000000"/>
+                </a:solidFill>
+              </a:rPr>
+              <a:t>Loops iterates over a sequence. (</a:t>
+            </a:r>
+            <a:r>
+              <a:rPr lang="en-US" sz="1600" i="1" spc="-1" dirty="0">
+                <a:solidFill>
+                  <a:srgbClr val="000000"/>
+                </a:solidFill>
+              </a:rPr>
+              <a:t>Iteration</a:t>
+            </a:r>
+            <a:r>
+              <a:rPr lang="en-US" sz="1600" spc="-1" dirty="0">
+                <a:solidFill>
+                  <a:srgbClr val="000000"/>
+                </a:solidFill>
+              </a:rPr>
+              <a:t>: Repeated execution of a block of statements)</a:t>
+            </a:r>
+          </a:p>
+          <a:p>
+            <a:pPr marL="720" lvl="2">
+              <a:lnSpc>
+                <a:spcPct val="110000"/>
+              </a:lnSpc>
+              <a:buClr>
+                <a:srgbClr val="009AD1"/>
+              </a:buClr>
+              <a:tabLst>
+                <a:tab pos="0" algn="l"/>
+              </a:tabLst>
+            </a:pPr>
+            <a:endParaRPr lang="en-US" sz="1600" spc="-1" dirty="0">
+              <a:solidFill>
+                <a:srgbClr val="000000"/>
+              </a:solidFill>
+            </a:endParaRPr>
+          </a:p>
+          <a:p>
+            <a:pPr>
+              <a:lnSpc>
+                <a:spcPct val="110000"/>
+              </a:lnSpc>
+              <a:tabLst>
+                <a:tab pos="0" algn="l"/>
+              </a:tabLst>
+            </a:pPr>
+            <a:r>
+              <a:rPr lang="de-DE" sz="1600" spc="-1" dirty="0"/>
+              <a:t>Iteration </a:t>
+            </a:r>
+            <a:r>
+              <a:rPr lang="de-DE" sz="1600" spc="-1" dirty="0" err="1"/>
+              <a:t>using</a:t>
+            </a:r>
+            <a:r>
+              <a:rPr lang="de-DE" sz="1600" spc="-1" dirty="0"/>
+              <a:t> </a:t>
+            </a:r>
+            <a:r>
+              <a:rPr lang="de-DE" sz="1600" b="1" dirty="0" err="1">
                 <a:solidFill>
                   <a:srgbClr val="0033B3"/>
                 </a:solidFill>
                 <a:latin typeface="Courier New" panose="02070309020205020404" pitchFamily="49" charset="0"/>
                 <a:cs typeface="Courier New" panose="02070309020205020404" pitchFamily="49" charset="0"/>
               </a:rPr>
-              <a:t>break</a:t>
-            </a:r>
-            <a:r>
-              <a:rPr lang="en-US" sz="1600" spc="-1" dirty="0">
-                <a:solidFill>
-                  <a:srgbClr val="000000"/>
-                </a:solidFill>
-              </a:rPr>
-              <a:t>: Exits from the smallest enclosing loop </a:t>
+              <a:t>for</a:t>
+            </a:r>
+            <a:r>
+              <a:rPr lang="en-US" sz="1600" spc="-1" dirty="0"/>
+              <a:t>:</a:t>
+            </a:r>
+            <a:endParaRPr lang="de-DE" sz="1600" dirty="0">
+              <a:solidFill>
+                <a:srgbClr val="0033B3"/>
+              </a:solidFill>
+              <a:latin typeface="Courier New" panose="02070309020205020404" pitchFamily="49" charset="0"/>
+              <a:cs typeface="Courier New" panose="02070309020205020404" pitchFamily="49" charset="0"/>
+            </a:endParaRPr>
+          </a:p>
+          <a:p>
+            <a:pPr marL="720" lvl="2">
+              <a:lnSpc>
+                <a:spcPct val="110000"/>
+              </a:lnSpc>
+              <a:buClr>
+                <a:srgbClr val="009AD1"/>
+              </a:buClr>
+              <a:tabLst>
+                <a:tab pos="0" algn="l"/>
+              </a:tabLst>
+            </a:pPr>
+            <a:r>
+              <a:rPr lang="de-DE" sz="1600" b="1" dirty="0">
+                <a:solidFill>
+                  <a:srgbClr val="0033B3"/>
+                </a:solidFill>
+                <a:latin typeface="Courier New" panose="02070309020205020404" pitchFamily="49" charset="0"/>
+                <a:cs typeface="Courier New" panose="02070309020205020404" pitchFamily="49" charset="0"/>
+              </a:rPr>
+              <a:t>	</a:t>
+            </a:r>
+            <a:r>
+              <a:rPr lang="de-DE" sz="1600" b="1" dirty="0" err="1">
+                <a:solidFill>
+                  <a:srgbClr val="0033B3"/>
+                </a:solidFill>
+                <a:latin typeface="Courier New" panose="02070309020205020404" pitchFamily="49" charset="0"/>
+                <a:cs typeface="Courier New" panose="02070309020205020404" pitchFamily="49" charset="0"/>
+              </a:rPr>
+              <a:t>for</a:t>
+            </a:r>
+            <a:r>
+              <a:rPr lang="de-DE" sz="1600" b="1" dirty="0">
+                <a:solidFill>
+                  <a:srgbClr val="0033B3"/>
+                </a:solidFill>
+                <a:latin typeface="Courier New" panose="02070309020205020404" pitchFamily="49" charset="0"/>
+                <a:cs typeface="Courier New" panose="02070309020205020404" pitchFamily="49" charset="0"/>
+              </a:rPr>
+              <a:t> </a:t>
+            </a:r>
+            <a:r>
+              <a:rPr lang="de-DE" sz="1600" b="1" dirty="0" err="1">
+                <a:latin typeface="Courier New" panose="02070309020205020404" pitchFamily="49" charset="0"/>
+                <a:cs typeface="Courier New" panose="02070309020205020404" pitchFamily="49" charset="0"/>
+              </a:rPr>
+              <a:t>element</a:t>
+            </a:r>
+            <a:r>
+              <a:rPr lang="de-DE" sz="1600" b="1" dirty="0">
+                <a:latin typeface="Courier New" panose="02070309020205020404" pitchFamily="49" charset="0"/>
+                <a:cs typeface="Courier New" panose="02070309020205020404" pitchFamily="49" charset="0"/>
+              </a:rPr>
+              <a:t> </a:t>
+            </a:r>
+            <a:r>
+              <a:rPr lang="de-DE" sz="1600" b="1" dirty="0">
+                <a:solidFill>
+                  <a:srgbClr val="0033B3"/>
+                </a:solidFill>
+                <a:latin typeface="Courier New" panose="02070309020205020404" pitchFamily="49" charset="0"/>
+                <a:cs typeface="Courier New" panose="02070309020205020404" pitchFamily="49" charset="0"/>
+              </a:rPr>
+              <a:t>in </a:t>
+            </a:r>
+            <a:r>
+              <a:rPr lang="de-DE" sz="1600" b="1" dirty="0" err="1">
+                <a:latin typeface="Courier New" panose="02070309020205020404" pitchFamily="49" charset="0"/>
+                <a:cs typeface="Courier New" panose="02070309020205020404" pitchFamily="49" charset="0"/>
+              </a:rPr>
+              <a:t>my_sequence</a:t>
+            </a:r>
+            <a:r>
+              <a:rPr lang="de-DE" sz="1600" b="1" dirty="0">
+                <a:latin typeface="Courier New" panose="02070309020205020404" pitchFamily="49" charset="0"/>
+                <a:cs typeface="Courier New" panose="02070309020205020404" pitchFamily="49" charset="0"/>
+              </a:rPr>
+              <a:t>:</a:t>
+            </a:r>
+          </a:p>
+          <a:p>
+            <a:pPr marL="720" lvl="2">
+              <a:lnSpc>
+                <a:spcPct val="110000"/>
+              </a:lnSpc>
+              <a:buClr>
+                <a:srgbClr val="009AD1"/>
+              </a:buClr>
+              <a:tabLst>
+                <a:tab pos="0" algn="l"/>
+              </a:tabLst>
+            </a:pPr>
+            <a:r>
+              <a:rPr lang="de-DE" sz="1600" b="1" spc="-1" dirty="0">
+                <a:solidFill>
+                  <a:srgbClr val="0033B3"/>
+                </a:solidFill>
+                <a:latin typeface="Courier New" panose="02070309020205020404" pitchFamily="49" charset="0"/>
+                <a:cs typeface="Courier New" panose="02070309020205020404" pitchFamily="49" charset="0"/>
+              </a:rPr>
+              <a:t>		</a:t>
+            </a:r>
+            <a:r>
+              <a:rPr lang="de-DE" sz="1600" b="1" spc="-1" dirty="0">
+                <a:latin typeface="Courier New" panose="02070309020205020404" pitchFamily="49" charset="0"/>
+                <a:cs typeface="Courier New" panose="02070309020205020404" pitchFamily="49" charset="0"/>
+              </a:rPr>
+              <a:t>my_statements_1</a:t>
+            </a:r>
+          </a:p>
+          <a:p>
+            <a:pPr marL="720" lvl="2">
+              <a:lnSpc>
+                <a:spcPct val="110000"/>
+              </a:lnSpc>
+              <a:buClr>
+                <a:srgbClr val="009AD1"/>
+              </a:buClr>
+              <a:tabLst>
+                <a:tab pos="0" algn="l"/>
+              </a:tabLst>
+            </a:pPr>
+            <a:r>
+              <a:rPr lang="de-DE" sz="1600" b="1" spc="-1" dirty="0">
+                <a:solidFill>
+                  <a:srgbClr val="0033B3"/>
+                </a:solidFill>
+                <a:latin typeface="Courier New" panose="02070309020205020404" pitchFamily="49" charset="0"/>
+                <a:cs typeface="Courier New" panose="02070309020205020404" pitchFamily="49" charset="0"/>
+              </a:rPr>
+              <a:t>		</a:t>
+            </a:r>
+            <a:r>
+              <a:rPr lang="de-DE" sz="1600" b="1" spc="-1" dirty="0">
+                <a:latin typeface="Courier New" panose="02070309020205020404" pitchFamily="49" charset="0"/>
+                <a:cs typeface="Courier New" panose="02070309020205020404" pitchFamily="49" charset="0"/>
+              </a:rPr>
+              <a:t>my_statements_2</a:t>
+            </a:r>
+          </a:p>
+          <a:p>
+            <a:pPr marL="720" lvl="2">
+              <a:lnSpc>
+                <a:spcPct val="110000"/>
+              </a:lnSpc>
+              <a:buClr>
+                <a:srgbClr val="009AD1"/>
+              </a:buClr>
+              <a:tabLst>
+                <a:tab pos="0" algn="l"/>
+              </a:tabLst>
+            </a:pPr>
+            <a:r>
+              <a:rPr lang="de-DE" sz="1600" b="1" spc="-1" dirty="0">
+                <a:latin typeface="Courier New" panose="02070309020205020404" pitchFamily="49" charset="0"/>
+                <a:cs typeface="Courier New" panose="02070309020205020404" pitchFamily="49" charset="0"/>
+              </a:rPr>
+              <a:t>		…</a:t>
+            </a:r>
+          </a:p>
+          <a:p>
+            <a:pPr marL="720" lvl="2">
+              <a:lnSpc>
+                <a:spcPct val="110000"/>
+              </a:lnSpc>
+              <a:buClr>
+                <a:srgbClr val="009AD1"/>
+              </a:buClr>
+              <a:tabLst>
+                <a:tab pos="0" algn="l"/>
+              </a:tabLst>
+            </a:pPr>
+            <a:r>
+              <a:rPr lang="de-DE" sz="1600" b="1" spc="-1" dirty="0">
+                <a:latin typeface="Courier New" panose="02070309020205020404" pitchFamily="49" charset="0"/>
+                <a:cs typeface="Courier New" panose="02070309020205020404" pitchFamily="49" charset="0"/>
+              </a:rPr>
+              <a:t>		</a:t>
+            </a:r>
+          </a:p>
+          <a:p>
+            <a:pPr>
+              <a:lnSpc>
+                <a:spcPct val="110000"/>
+              </a:lnSpc>
+              <a:tabLst>
+                <a:tab pos="0" algn="l"/>
+              </a:tabLst>
+            </a:pPr>
+            <a:r>
+              <a:rPr lang="de-DE" sz="1600" spc="-1" dirty="0"/>
+              <a:t>Iteration </a:t>
+            </a:r>
+            <a:r>
+              <a:rPr lang="de-DE" sz="1600" spc="-1" dirty="0" err="1"/>
+              <a:t>using</a:t>
+            </a:r>
+            <a:r>
+              <a:rPr lang="de-DE" sz="1600" spc="-1" dirty="0"/>
+              <a:t> </a:t>
+            </a:r>
+            <a:r>
+              <a:rPr lang="de-DE" sz="1600" b="1" dirty="0" err="1">
+                <a:solidFill>
+                  <a:srgbClr val="0033B3"/>
+                </a:solidFill>
+                <a:latin typeface="Courier New" panose="02070309020205020404" pitchFamily="49" charset="0"/>
+                <a:cs typeface="Courier New" panose="02070309020205020404" pitchFamily="49" charset="0"/>
+              </a:rPr>
+              <a:t>while</a:t>
+            </a:r>
+            <a:r>
+              <a:rPr lang="en-US" sz="1600" spc="-1" dirty="0"/>
+              <a:t>:</a:t>
+            </a:r>
+            <a:endParaRPr lang="de-DE" sz="1600" dirty="0">
+              <a:solidFill>
+                <a:srgbClr val="0033B3"/>
+              </a:solidFill>
+              <a:latin typeface="Courier New" panose="02070309020205020404" pitchFamily="49" charset="0"/>
+              <a:cs typeface="Courier New" panose="02070309020205020404" pitchFamily="49" charset="0"/>
+            </a:endParaRPr>
+          </a:p>
+          <a:p>
+            <a:pPr marL="720" lvl="2">
+              <a:lnSpc>
+                <a:spcPct val="110000"/>
+              </a:lnSpc>
+              <a:buClr>
+                <a:srgbClr val="009AD1"/>
+              </a:buClr>
+              <a:tabLst>
+                <a:tab pos="0" algn="l"/>
+              </a:tabLst>
+            </a:pPr>
+            <a:r>
+              <a:rPr lang="de-DE" sz="1600" b="1" dirty="0">
+                <a:solidFill>
+                  <a:srgbClr val="0033B3"/>
+                </a:solidFill>
+                <a:latin typeface="Courier New" panose="02070309020205020404" pitchFamily="49" charset="0"/>
+                <a:cs typeface="Courier New" panose="02070309020205020404" pitchFamily="49" charset="0"/>
+              </a:rPr>
+              <a:t>	</a:t>
+            </a:r>
+            <a:r>
+              <a:rPr lang="de-DE" sz="1600" b="1" dirty="0" err="1">
+                <a:solidFill>
+                  <a:srgbClr val="0033B3"/>
+                </a:solidFill>
+                <a:latin typeface="Courier New" panose="02070309020205020404" pitchFamily="49" charset="0"/>
+                <a:cs typeface="Courier New" panose="02070309020205020404" pitchFamily="49" charset="0"/>
+              </a:rPr>
+              <a:t>while</a:t>
+            </a:r>
+            <a:r>
+              <a:rPr lang="de-DE" sz="1600" b="1" dirty="0">
+                <a:solidFill>
+                  <a:srgbClr val="0033B3"/>
+                </a:solidFill>
+                <a:latin typeface="Courier New" panose="02070309020205020404" pitchFamily="49" charset="0"/>
+                <a:cs typeface="Courier New" panose="02070309020205020404" pitchFamily="49" charset="0"/>
+              </a:rPr>
+              <a:t> </a:t>
+            </a:r>
+            <a:r>
+              <a:rPr lang="de-DE" sz="1600" b="1" dirty="0" err="1">
+                <a:latin typeface="Courier New" panose="02070309020205020404" pitchFamily="49" charset="0"/>
+                <a:cs typeface="Courier New" panose="02070309020205020404" pitchFamily="49" charset="0"/>
+              </a:rPr>
+              <a:t>my_condition</a:t>
+            </a:r>
+            <a:r>
+              <a:rPr lang="de-DE" sz="1600" b="1" dirty="0">
+                <a:latin typeface="Courier New" panose="02070309020205020404" pitchFamily="49" charset="0"/>
+                <a:cs typeface="Courier New" panose="02070309020205020404" pitchFamily="49" charset="0"/>
+              </a:rPr>
+              <a:t>:</a:t>
+            </a:r>
+          </a:p>
+          <a:p>
+            <a:pPr marL="720" lvl="2">
+              <a:lnSpc>
+                <a:spcPct val="110000"/>
+              </a:lnSpc>
+              <a:buClr>
+                <a:srgbClr val="009AD1"/>
+              </a:buClr>
+              <a:tabLst>
+                <a:tab pos="0" algn="l"/>
+              </a:tabLst>
+            </a:pPr>
+            <a:r>
+              <a:rPr lang="de-DE" sz="1600" b="1" spc="-1" dirty="0">
+                <a:solidFill>
+                  <a:srgbClr val="0033B3"/>
+                </a:solidFill>
+                <a:latin typeface="Courier New" panose="02070309020205020404" pitchFamily="49" charset="0"/>
+                <a:cs typeface="Courier New" panose="02070309020205020404" pitchFamily="49" charset="0"/>
+              </a:rPr>
+              <a:t>		</a:t>
+            </a:r>
+            <a:r>
+              <a:rPr lang="de-DE" sz="1600" b="1" spc="-1" dirty="0">
+                <a:latin typeface="Courier New" panose="02070309020205020404" pitchFamily="49" charset="0"/>
+                <a:cs typeface="Courier New" panose="02070309020205020404" pitchFamily="49" charset="0"/>
+              </a:rPr>
+              <a:t>my_statements_1</a:t>
+            </a:r>
+          </a:p>
+          <a:p>
+            <a:pPr marL="720" lvl="2">
+              <a:lnSpc>
+                <a:spcPct val="110000"/>
+              </a:lnSpc>
+              <a:buClr>
+                <a:srgbClr val="009AD1"/>
+              </a:buClr>
+              <a:tabLst>
+                <a:tab pos="0" algn="l"/>
+              </a:tabLst>
+            </a:pPr>
+            <a:r>
+              <a:rPr lang="de-DE" sz="1600" b="1" spc="-1" dirty="0">
+                <a:solidFill>
+                  <a:srgbClr val="0033B3"/>
+                </a:solidFill>
+                <a:latin typeface="Courier New" panose="02070309020205020404" pitchFamily="49" charset="0"/>
+                <a:cs typeface="Courier New" panose="02070309020205020404" pitchFamily="49" charset="0"/>
+              </a:rPr>
+              <a:t>		</a:t>
+            </a:r>
+            <a:r>
+              <a:rPr lang="de-DE" sz="1600" b="1" spc="-1" dirty="0">
+                <a:latin typeface="Courier New" panose="02070309020205020404" pitchFamily="49" charset="0"/>
+                <a:cs typeface="Courier New" panose="02070309020205020404" pitchFamily="49" charset="0"/>
+              </a:rPr>
+              <a:t>my_statements_2</a:t>
+            </a:r>
+          </a:p>
+          <a:p>
+            <a:pPr marL="720" lvl="2">
+              <a:lnSpc>
+                <a:spcPct val="110000"/>
+              </a:lnSpc>
+              <a:buClr>
+                <a:srgbClr val="009AD1"/>
+              </a:buClr>
+              <a:tabLst>
+                <a:tab pos="0" algn="l"/>
+              </a:tabLst>
+            </a:pPr>
+            <a:r>
+              <a:rPr lang="de-DE" sz="1600" b="1" spc="-1" dirty="0">
+                <a:latin typeface="Courier New" panose="02070309020205020404" pitchFamily="49" charset="0"/>
+                <a:cs typeface="Courier New" panose="02070309020205020404" pitchFamily="49" charset="0"/>
+              </a:rPr>
+              <a:t>		…</a:t>
             </a:r>
           </a:p>
           <a:p>
@@ -6877,6 +6775,14 @@
               </a:tabLst>
             </a:pPr>
             <a:r>
+              <a:rPr lang="en-US" sz="1600" spc="-1" dirty="0">
+                <a:solidFill>
+                  <a:srgbClr val="000000"/>
+                </a:solidFill>
+              </a:rPr>
+              <a:t>Technically, anything you can do with </a:t>
+            </a:r>
+            <a:r>
               <a:rPr lang="de-DE" sz="1600" b="1" dirty="0" err="1">
                 <a:solidFill>
                   <a:srgbClr val="0033B3"/>
@@ -6884,7 +6790,7 @@
                 <a:latin typeface="Courier New" panose="02070309020205020404" pitchFamily="49" charset="0"/>
                 <a:cs typeface="Courier New" panose="02070309020205020404" pitchFamily="49" charset="0"/>
               </a:rPr>
-              <a:t>continue</a:t>
+              <a:t>for</a:t>
             </a:r>
             <a:r>
               <a:rPr lang="en-US" sz="1600" spc="-1" dirty="0">
@@ -6892,7 +6798,25 @@
                   <a:srgbClr val="000000"/>
                 </a:solidFill>
               </a:rPr>
-              <a:t>: Exits from the current iteration of the smallest enclosing loop and moves to the next iteration </a:t>
+              <a:t>, you can do with </a:t>
+            </a:r>
+            <a:r>
+              <a:rPr lang="de-DE" sz="1600" b="1" dirty="0" err="1">
+                <a:solidFill>
+                  <a:srgbClr val="0033B3"/>
+                </a:solidFill>
+                <a:latin typeface="Courier New" panose="02070309020205020404" pitchFamily="49" charset="0"/>
+                <a:cs typeface="Courier New" panose="02070309020205020404" pitchFamily="49" charset="0"/>
+              </a:rPr>
+              <a:t>while</a:t>
+            </a:r>
+            <a:r>
+              <a:rPr lang="en-US" sz="1600" spc="-1" dirty="0">
+                <a:solidFill>
+                  <a:srgbClr val="000000"/>
+                </a:solidFill>
+              </a:rPr>
+              <a:t>. </a:t>
             </a:r>
           </a:p>
           <a:p>
@@ -6925,10 +6849,47 @@
                 <a:tab pos="0" algn="l"/>
               </a:tabLst>
             </a:pPr>
+            <a:r>
+              <a:rPr lang="de-DE" sz="1600" b="1" spc="-1" dirty="0">
+                <a:solidFill>
+                  <a:schemeClr val="accent1"/>
+                </a:solidFill>
+              </a:rPr>
+              <a:t>Demo</a:t>
+            </a:r>
+            <a:r>
+              <a:rPr lang="en-US" sz="1600" b="1" spc="-1" dirty="0">
+                <a:solidFill>
+                  <a:schemeClr val="accent1"/>
+                </a:solidFill>
+              </a:rPr>
+              <a:t>: </a:t>
+            </a:r>
+            <a:r>
+              <a:rPr lang="de-DE" sz="1600" dirty="0" err="1">
+                <a:latin typeface="Courier New" panose="02070309020205020404" pitchFamily="49" charset="0"/>
+                <a:cs typeface="Courier New" panose="02070309020205020404" pitchFamily="49" charset="0"/>
+              </a:rPr>
+              <a:t>control_structures.ipynb</a:t>
+            </a:r>
+            <a:r>
+              <a:rPr lang="de-DE" sz="1600" dirty="0">
+                <a:latin typeface="Courier New" panose="02070309020205020404" pitchFamily="49" charset="0"/>
+                <a:cs typeface="Courier New" panose="02070309020205020404" pitchFamily="49" charset="0"/>
+              </a:rPr>
+              <a:t> </a:t>
+            </a:r>
+            <a:r>
+              <a:rPr lang="en-US" sz="1600" spc="-1" dirty="0">
+                <a:solidFill>
+                  <a:srgbClr val="000000"/>
+                </a:solidFill>
+              </a:rPr>
+              <a:t>(Section 2-3)</a:t>
+            </a:r>
             <a:endParaRPr lang="de-DE" sz="1600" b="1" spc="-1" dirty="0">
-              <a:solidFill>
-                <a:schemeClr val="accent1"/>
-              </a:solidFill>
+              <a:latin typeface="Courier New" panose="02070309020205020404" pitchFamily="49" charset="0"/>
+              <a:cs typeface="Courier New" panose="02070309020205020404" pitchFamily="49" charset="0"/>
             </a:endParaRPr>
           </a:p>
           <a:p>
@@ -6943,47 +6904,10 @@
                 <a:tab pos="0" algn="l"/>
               </a:tabLst>
             </a:pPr>
-            <a:r>
-              <a:rPr lang="de-DE" sz="1600" b="1" spc="-1" dirty="0">
-                <a:solidFill>
-                  <a:schemeClr val="accent1"/>
-                </a:solidFill>
-              </a:rPr>
-              <a:t>Demo</a:t>
-            </a:r>
-            <a:r>
-              <a:rPr lang="en-US" sz="1600" b="1" spc="-1" dirty="0">
-                <a:solidFill>
-                  <a:schemeClr val="accent1"/>
-                </a:solidFill>
-              </a:rPr>
-              <a:t>: </a:t>
-            </a:r>
-            <a:r>
-              <a:rPr lang="de-DE" sz="1600" dirty="0" err="1">
-                <a:latin typeface="Courier New" panose="02070309020205020404" pitchFamily="49" charset="0"/>
-                <a:cs typeface="Courier New" panose="02070309020205020404" pitchFamily="49" charset="0"/>
-              </a:rPr>
-              <a:t>control_structures.ipynb</a:t>
-            </a:r>
-            <a:r>
-              <a:rPr lang="de-DE" sz="1600" dirty="0">
-                <a:latin typeface="Courier New" panose="02070309020205020404" pitchFamily="49" charset="0"/>
-                <a:cs typeface="Courier New" panose="02070309020205020404" pitchFamily="49" charset="0"/>
-              </a:rPr>
-              <a:t> </a:t>
-            </a:r>
-            <a:r>
-              <a:rPr lang="en-US" sz="1600" spc="-1" dirty="0">
-                <a:solidFill>
-                  <a:srgbClr val="000000"/>
-                </a:solidFill>
-              </a:rPr>
-              <a:t>(Section 2-3)</a:t>
-            </a:r>
-            <a:endParaRPr lang="de-DE" sz="1600" b="1" spc="-1" dirty="0">
-              <a:latin typeface="Courier New" panose="02070309020205020404" pitchFamily="49" charset="0"/>
-              <a:cs typeface="Courier New" panose="02070309020205020404" pitchFamily="49" charset="0"/>
+            <a:endParaRPr lang="en-US" sz="1600" spc="-1" dirty="0">
+              <a:solidFill>
+                <a:srgbClr val="000000"/>
+              </a:solidFill>
             </a:endParaRPr>
           </a:p>
           <a:p>
@@ -7005,24 +6929,6 @@
             </a:endParaRPr>
           </a:p>
           <a:p>
-            <a:pPr marL="720" lvl="2">
-              <a:lnSpc>
-                <a:spcPct val="110000"/>
-              </a:lnSpc>
-              <a:buClr>
-                <a:srgbClr val="009AD1"/>
-              </a:buClr>
-              <a:tabLst>
-                <a:tab pos="0" algn="l"/>
-              </a:tabLst>
-            </a:pPr>
-            <a:endParaRPr lang="en-US" sz="1600" spc="-1" dirty="0">
-              <a:solidFill>
-                <a:srgbClr val="000000"/>
-              </a:solidFill>
-            </a:endParaRPr>
-          </a:p>
-          <a:p>
             <a:pPr>
               <a:lnSpc>
                 <a:spcPct val="110000"/>
@@ -7057,7 +6963,7 @@
     </p:spTree>
     <p:extLst>
       <p:ext uri="{BB962C8B-B14F-4D97-AF65-F5344CB8AC3E}">
-        <p14:creationId xmlns:p14="http://schemas.microsoft.com/office/powerpoint/2010/main" val="3279875928"/>
+        <p14:creationId xmlns:p14="http://schemas.microsoft.com/office/powerpoint/2010/main" val="2422708416"/>
       </p:ext>
     </p:extLst>
   </p:cSld>
@@ -7220,6 +7126,469 @@
               </a:tabLst>
             </a:pPr>
             <a:r>
+              <a:rPr lang="de-DE" sz="1600" b="1" dirty="0">
+                <a:solidFill>
+                  <a:srgbClr val="0033B3"/>
+                </a:solidFill>
+                <a:latin typeface="Courier New" panose="02070309020205020404" pitchFamily="49" charset="0"/>
+                <a:cs typeface="Courier New" panose="02070309020205020404" pitchFamily="49" charset="0"/>
+              </a:rPr>
+              <a:t>break </a:t>
+            </a:r>
+            <a:r>
+              <a:rPr lang="en-US" sz="1600" spc="-1" dirty="0">
+                <a:solidFill>
+                  <a:srgbClr val="000000"/>
+                </a:solidFill>
+              </a:rPr>
+              <a:t>and </a:t>
+            </a:r>
+            <a:r>
+              <a:rPr lang="de-DE" sz="1600" b="1" dirty="0" err="1">
+                <a:solidFill>
+                  <a:srgbClr val="0033B3"/>
+                </a:solidFill>
+                <a:latin typeface="Courier New" panose="02070309020205020404" pitchFamily="49" charset="0"/>
+                <a:cs typeface="Courier New" panose="02070309020205020404" pitchFamily="49" charset="0"/>
+              </a:rPr>
+              <a:t>continue</a:t>
+            </a:r>
+            <a:r>
+              <a:rPr lang="en-US" sz="1600" spc="-1" dirty="0">
+                <a:solidFill>
+                  <a:srgbClr val="000000"/>
+                </a:solidFill>
+              </a:rPr>
+              <a:t>: Statements used for finer control of loops.</a:t>
+            </a:r>
+          </a:p>
+          <a:p>
+            <a:pPr marL="720" lvl="2">
+              <a:lnSpc>
+                <a:spcPct val="110000"/>
+              </a:lnSpc>
+              <a:buClr>
+                <a:srgbClr val="009AD1"/>
+              </a:buClr>
+              <a:tabLst>
+                <a:tab pos="0" algn="l"/>
+              </a:tabLst>
+            </a:pPr>
+            <a:endParaRPr lang="en-US" sz="1600" spc="-1" dirty="0">
+              <a:solidFill>
+                <a:srgbClr val="000000"/>
+              </a:solidFill>
+            </a:endParaRPr>
+          </a:p>
+          <a:p>
+            <a:pPr marL="720" lvl="2">
+              <a:lnSpc>
+                <a:spcPct val="110000"/>
+              </a:lnSpc>
+              <a:buClr>
+                <a:srgbClr val="009AD1"/>
+              </a:buClr>
+              <a:tabLst>
+                <a:tab pos="0" algn="l"/>
+              </a:tabLst>
+            </a:pPr>
+            <a:endParaRPr lang="en-US" sz="1600" spc="-1" dirty="0">
+              <a:solidFill>
+                <a:srgbClr val="000000"/>
+              </a:solidFill>
+            </a:endParaRPr>
+          </a:p>
+          <a:p>
+            <a:pPr marL="324000" lvl="2" indent="-323280">
+              <a:lnSpc>
+                <a:spcPct val="110000"/>
+              </a:lnSpc>
+              <a:buClr>
+                <a:srgbClr val="009AD1"/>
+              </a:buClr>
+              <a:buFont typeface="Arial"/>
+              <a:buChar char="−"/>
+              <a:tabLst>
+                <a:tab pos="0" algn="l"/>
+              </a:tabLst>
+            </a:pPr>
+            <a:r>
+              <a:rPr lang="de-DE" sz="1600" b="1" dirty="0">
+                <a:solidFill>
+                  <a:srgbClr val="0033B3"/>
+                </a:solidFill>
+                <a:latin typeface="Courier New" panose="02070309020205020404" pitchFamily="49" charset="0"/>
+                <a:cs typeface="Courier New" panose="02070309020205020404" pitchFamily="49" charset="0"/>
+              </a:rPr>
+              <a:t>break</a:t>
+            </a:r>
+            <a:r>
+              <a:rPr lang="en-US" sz="1600" spc="-1" dirty="0">
+                <a:solidFill>
+                  <a:srgbClr val="000000"/>
+                </a:solidFill>
+              </a:rPr>
+              <a:t>: Exits from the smallest enclosing loop </a:t>
+            </a:r>
+          </a:p>
+          <a:p>
+            <a:pPr marL="324000" lvl="2" indent="-323280">
+              <a:lnSpc>
+                <a:spcPct val="110000"/>
+              </a:lnSpc>
+              <a:buClr>
+                <a:srgbClr val="009AD1"/>
+              </a:buClr>
+              <a:buFont typeface="Arial"/>
+              <a:buChar char="−"/>
+              <a:tabLst>
+                <a:tab pos="0" algn="l"/>
+              </a:tabLst>
+            </a:pPr>
+            <a:r>
+              <a:rPr lang="de-DE" sz="1600" b="1" dirty="0" err="1">
+                <a:solidFill>
+                  <a:srgbClr val="0033B3"/>
+                </a:solidFill>
+                <a:latin typeface="Courier New" panose="02070309020205020404" pitchFamily="49" charset="0"/>
+                <a:cs typeface="Courier New" panose="02070309020205020404" pitchFamily="49" charset="0"/>
+              </a:rPr>
+              <a:t>continue</a:t>
+            </a:r>
+            <a:r>
+              <a:rPr lang="en-US" sz="1600" spc="-1" dirty="0">
+                <a:solidFill>
+                  <a:srgbClr val="000000"/>
+                </a:solidFill>
+              </a:rPr>
+              <a:t>: Exits from the current iteration of the smallest enclosing loop and moves to the next iteration </a:t>
+            </a:r>
+          </a:p>
+          <a:p>
+            <a:pPr marL="720" lvl="2">
+              <a:lnSpc>
+                <a:spcPct val="110000"/>
+              </a:lnSpc>
+              <a:buClr>
+                <a:srgbClr val="009AD1"/>
+              </a:buClr>
+              <a:tabLst>
+                <a:tab pos="0" algn="l"/>
+              </a:tabLst>
+            </a:pPr>
+            <a:endParaRPr lang="de-DE" sz="1600" b="1" spc="-1" dirty="0">
+              <a:solidFill>
+                <a:schemeClr val="accent1"/>
+              </a:solidFill>
+            </a:endParaRPr>
+          </a:p>
+          <a:p>
+            <a:pPr marL="720" lvl="2">
+              <a:lnSpc>
+                <a:spcPct val="110000"/>
+              </a:lnSpc>
+              <a:buClr>
+                <a:srgbClr val="009AD1"/>
+              </a:buClr>
+              <a:tabLst>
+                <a:tab pos="0" algn="l"/>
+              </a:tabLst>
+            </a:pPr>
+            <a:endParaRPr lang="de-DE" sz="1600" b="1" spc="-1" dirty="0">
+              <a:solidFill>
+                <a:schemeClr val="accent1"/>
+              </a:solidFill>
+            </a:endParaRPr>
+          </a:p>
+          <a:p>
+            <a:pPr marL="720" lvl="2">
+              <a:lnSpc>
+                <a:spcPct val="110000"/>
+              </a:lnSpc>
+              <a:buClr>
+                <a:srgbClr val="009AD1"/>
+              </a:buClr>
+              <a:tabLst>
+                <a:tab pos="0" algn="l"/>
+              </a:tabLst>
+            </a:pPr>
+            <a:r>
+              <a:rPr lang="de-DE" sz="1600" b="1" spc="-1" dirty="0">
+                <a:solidFill>
+                  <a:schemeClr val="accent1"/>
+                </a:solidFill>
+              </a:rPr>
+              <a:t>Demo</a:t>
+            </a:r>
+            <a:r>
+              <a:rPr lang="en-US" sz="1600" b="1" spc="-1" dirty="0">
+                <a:solidFill>
+                  <a:schemeClr val="accent1"/>
+                </a:solidFill>
+              </a:rPr>
+              <a:t>: </a:t>
+            </a:r>
+            <a:r>
+              <a:rPr lang="de-DE" sz="1600" dirty="0" err="1">
+                <a:latin typeface="Courier New" panose="02070309020205020404" pitchFamily="49" charset="0"/>
+                <a:cs typeface="Courier New" panose="02070309020205020404" pitchFamily="49" charset="0"/>
+              </a:rPr>
+              <a:t>control_structures.ipynb</a:t>
+            </a:r>
+            <a:r>
+              <a:rPr lang="de-DE" sz="1600" dirty="0">
+                <a:latin typeface="Courier New" panose="02070309020205020404" pitchFamily="49" charset="0"/>
+                <a:cs typeface="Courier New" panose="02070309020205020404" pitchFamily="49" charset="0"/>
+              </a:rPr>
+              <a:t> </a:t>
+            </a:r>
+            <a:r>
+              <a:rPr lang="en-US" sz="1600" spc="-1" dirty="0">
+                <a:solidFill>
+                  <a:srgbClr val="000000"/>
+                </a:solidFill>
+              </a:rPr>
+              <a:t>(Section 2-3)</a:t>
+            </a:r>
+            <a:endParaRPr lang="de-DE" sz="1600" b="1" spc="-1" dirty="0">
+              <a:latin typeface="Courier New" panose="02070309020205020404" pitchFamily="49" charset="0"/>
+              <a:cs typeface="Courier New" panose="02070309020205020404" pitchFamily="49" charset="0"/>
+            </a:endParaRPr>
+          </a:p>
+          <a:p>
+            <a:pPr marL="720" lvl="2">
+              <a:lnSpc>
+                <a:spcPct val="110000"/>
+              </a:lnSpc>
+              <a:buClr>
+                <a:srgbClr val="009AD1"/>
+              </a:buClr>
+              <a:tabLst>
+                <a:tab pos="0" algn="l"/>
+              </a:tabLst>
+            </a:pPr>
+            <a:endParaRPr lang="en-US" sz="1600" spc="-1" dirty="0">
+              <a:solidFill>
+                <a:srgbClr val="000000"/>
+              </a:solidFill>
+            </a:endParaRPr>
+          </a:p>
+          <a:p>
+            <a:pPr marL="720" lvl="2">
+              <a:lnSpc>
+                <a:spcPct val="110000"/>
+              </a:lnSpc>
+              <a:buClr>
+                <a:srgbClr val="009AD1"/>
+              </a:buClr>
+              <a:tabLst>
+                <a:tab pos="0" algn="l"/>
+              </a:tabLst>
+            </a:pPr>
+            <a:endParaRPr lang="en-US" sz="1600" spc="-1" dirty="0">
+              <a:solidFill>
+                <a:srgbClr val="000000"/>
+              </a:solidFill>
+            </a:endParaRPr>
+          </a:p>
+          <a:p>
+            <a:pPr>
+              <a:lnSpc>
+                <a:spcPct val="110000"/>
+              </a:lnSpc>
+              <a:tabLst>
+                <a:tab pos="0" algn="l"/>
+              </a:tabLst>
+            </a:pPr>
+            <a:endParaRPr lang="en-US" sz="1600" spc="-1" dirty="0">
+              <a:solidFill>
+                <a:srgbClr val="000000"/>
+              </a:solidFill>
+            </a:endParaRPr>
+          </a:p>
+          <a:p>
+            <a:pPr>
+              <a:lnSpc>
+                <a:spcPct val="110000"/>
+              </a:lnSpc>
+              <a:tabLst>
+                <a:tab pos="0" algn="l"/>
+              </a:tabLst>
+            </a:pPr>
+            <a:endParaRPr lang="en-US" sz="1600" b="1" spc="-1" dirty="0">
+              <a:solidFill>
+                <a:srgbClr val="000000"/>
+              </a:solidFill>
+            </a:endParaRPr>
+          </a:p>
+        </p:txBody>
+      </p:sp>
+    </p:spTree>
+    <p:extLst>
+      <p:ext uri="{BB962C8B-B14F-4D97-AF65-F5344CB8AC3E}">
+        <p14:creationId xmlns:p14="http://schemas.microsoft.com/office/powerpoint/2010/main" val="3279875928"/>
+      </p:ext>
+    </p:extLst>
+  </p:cSld>
+  <p:clrMapOvr>
+    <a:masterClrMapping/>
+  </p:clrMapOvr>
+</p:sld>
+</file>
+
+<file path=ppt/slides/slide7.xml><?xml version="1.0" encoding="utf-8"?>
+<p:sld xmlns:a="http://schemas.openxmlformats.org/drawingml/2006/main" xmlns:r="http://schemas.openxmlformats.org/officeDocument/2006/relationships" xmlns:p="http://schemas.openxmlformats.org/presentationml/2006/main">
+  <p:cSld>
+    <p:spTree>
+      <p:nvGrpSpPr>
+        <p:cNvPr id="1" name=""/>
+        <p:cNvGrpSpPr/>
+        <p:nvPr/>
+      </p:nvGrpSpPr>
+      <p:grpSpPr>
+        <a:xfrm>
+          <a:off x="0" y="0"/>
+          <a:ext cx="0" cy="0"/>
+          <a:chOff x="0" y="0"/>
+          <a:chExt cx="0" cy="0"/>
+        </a:xfrm>
+      </p:grpSpPr>
+      <p:sp>
+        <p:nvSpPr>
+          <p:cNvPr id="574" name="CustomShape 1"/>
+          <p:cNvSpPr/>
+          <p:nvPr/>
+        </p:nvSpPr>
+        <p:spPr>
+          <a:xfrm>
+            <a:off x="324000" y="404640"/>
+            <a:ext cx="6334920" cy="791280"/>
+          </a:xfrm>
+          <a:prstGeom prst="rect">
+            <a:avLst/>
+          </a:prstGeom>
+          <a:noFill/>
+          <a:ln>
+            <a:noFill/>
+          </a:ln>
+        </p:spPr>
+        <p:style>
+          <a:lnRef idx="0">
+            <a:scrgbClr r="0" g="0" b="0"/>
+          </a:lnRef>
+          <a:fillRef idx="0">
+            <a:scrgbClr r="0" g="0" b="0"/>
+          </a:fillRef>
+          <a:effectRef idx="0">
+            <a:scrgbClr r="0" g="0" b="0"/>
+          </a:effectRef>
+          <a:fontRef idx="minor"/>
+        </p:style>
+        <p:txBody>
+          <a:bodyPr lIns="0" tIns="0" rIns="0" bIns="0">
+            <a:noAutofit/>
+          </a:bodyPr>
+          <a:lstStyle/>
+          <a:p>
+            <a:pPr>
+              <a:lnSpc>
+                <a:spcPct val="95000"/>
+              </a:lnSpc>
+            </a:pPr>
+            <a:r>
+              <a:rPr lang="de-DE" sz="2000" b="1" u="sng" spc="-1" dirty="0">
+                <a:solidFill>
+                  <a:srgbClr val="000000"/>
+                </a:solidFill>
+                <a:uFill>
+                  <a:solidFill>
+                    <a:srgbClr val="009AD1"/>
+                  </a:solidFill>
+                </a:uFill>
+              </a:rPr>
+              <a:t>Control </a:t>
+            </a:r>
+            <a:r>
+              <a:rPr lang="de-DE" sz="2000" b="1" u="sng" spc="-1" dirty="0" err="1">
+                <a:solidFill>
+                  <a:srgbClr val="000000"/>
+                </a:solidFill>
+                <a:uFill>
+                  <a:solidFill>
+                    <a:srgbClr val="009AD1"/>
+                  </a:solidFill>
+                </a:uFill>
+              </a:rPr>
+              <a:t>Structures</a:t>
+            </a:r>
+            <a:r>
+              <a:rPr lang="de-DE" sz="2000" b="1" u="sng" spc="-1" dirty="0">
+                <a:solidFill>
+                  <a:srgbClr val="000000"/>
+                </a:solidFill>
+                <a:uFill>
+                  <a:solidFill>
+                    <a:srgbClr val="009AD1"/>
+                  </a:solidFill>
+                </a:uFill>
+              </a:rPr>
+              <a:t>: Loops</a:t>
+            </a:r>
+            <a:endParaRPr lang="de-DE" sz="2000" b="0" strike="noStrike" spc="-1" dirty="0">
+              <a:latin typeface="Arial"/>
+            </a:endParaRPr>
+          </a:p>
+        </p:txBody>
+      </p:sp>
+      <p:sp>
+        <p:nvSpPr>
+          <p:cNvPr id="575" name="CustomShape 2"/>
+          <p:cNvSpPr/>
+          <p:nvPr/>
+        </p:nvSpPr>
+        <p:spPr>
+          <a:xfrm>
+            <a:off x="324000" y="964604"/>
+            <a:ext cx="8495640" cy="3743640"/>
+          </a:xfrm>
+          <a:prstGeom prst="rect">
+            <a:avLst/>
+          </a:prstGeom>
+          <a:noFill/>
+          <a:ln>
+            <a:noFill/>
+          </a:ln>
+        </p:spPr>
+        <p:style>
+          <a:lnRef idx="0">
+            <a:scrgbClr r="0" g="0" b="0"/>
+          </a:lnRef>
+          <a:fillRef idx="0">
+            <a:scrgbClr r="0" g="0" b="0"/>
+          </a:fillRef>
+          <a:effectRef idx="0">
+            <a:scrgbClr r="0" g="0" b="0"/>
+          </a:effectRef>
+          <a:fontRef idx="minor"/>
+        </p:style>
+        <p:txBody>
+          <a:bodyPr lIns="0" tIns="0" rIns="0" bIns="0">
+            <a:noAutofit/>
+          </a:bodyPr>
+          <a:lstStyle/>
+          <a:p>
+            <a:pPr marL="720" lvl="2">
+              <a:lnSpc>
+                <a:spcPct val="110000"/>
+              </a:lnSpc>
+              <a:buClr>
+                <a:srgbClr val="009AD1"/>
+              </a:buClr>
+              <a:tabLst>
+                <a:tab pos="0" algn="l"/>
+              </a:tabLst>
+            </a:pPr>
+            <a:r>
               <a:rPr lang="de-DE" sz="1600" b="1" spc="-1" dirty="0">
                 <a:solidFill>
                   <a:schemeClr val="accent1"/>
@@ -7354,7 +7723,7 @@
 </p:sld>
 </file>
 
-<file path=ppt/slides/slide7.xml><?xml version="1.0" encoding="utf-8"?>
+<file path=ppt/slides/slide8.xml><?xml version="1.0" encoding="utf-8"?>
 <p:sld xmlns:a="http://schemas.openxmlformats.org/drawingml/2006/main" xmlns:r="http://schemas.openxmlformats.org/officeDocument/2006/relationships" xmlns:p="http://schemas.openxmlformats.org/presentationml/2006/main">
   <p:cSld>
     <p:spTree>
